--- a/documents/workshop_summary.pptx
+++ b/documents/workshop_summary.pptx
@@ -5,7 +5,7 @@
     <p:sldMasterId id="2147483648" r:id="rId1"/>
   </p:sldMasterIdLst>
   <p:notesMasterIdLst>
-    <p:notesMasterId r:id="rId21"/>
+    <p:notesMasterId r:id="rId23"/>
   </p:notesMasterIdLst>
   <p:sldIdLst>
     <p:sldId id="256" r:id="rId2"/>
@@ -27,6 +27,8 @@
     <p:sldId id="272" r:id="rId18"/>
     <p:sldId id="273" r:id="rId19"/>
     <p:sldId id="274" r:id="rId20"/>
+    <p:sldId id="275" r:id="rId21"/>
+    <p:sldId id="276" r:id="rId22"/>
   </p:sldIdLst>
   <p:sldSz cx="12192000" cy="6858000"/>
   <p:notesSz cx="6858000" cy="9144000"/>
@@ -215,7 +217,7 @@
           <a:p>
             <a:fld id="{7E45A342-5B8C-47A5-A361-1075BECA0050}" type="datetimeFigureOut">
               <a:rPr lang="zh-CN" altLang="en-US" smtClean="0"/>
-              <a:t>2020/12/18</a:t>
+              <a:t>2020/12/23</a:t>
             </a:fld>
             <a:endParaRPr lang="zh-CN" altLang="en-US"/>
           </a:p>
@@ -6835,6 +6837,504 @@
     <p:extLst>
       <p:ext uri="{BB962C8B-B14F-4D97-AF65-F5344CB8AC3E}">
         <p14:creationId xmlns:p14="http://schemas.microsoft.com/office/powerpoint/2010/main" val="2604970577"/>
+      </p:ext>
+    </p:extLst>
+  </p:cSld>
+  <p:clrMapOvr>
+    <a:masterClrMapping/>
+  </p:clrMapOvr>
+</p:sld>
+</file>
+
+<file path=ppt/slides/slide20.xml><?xml version="1.0" encoding="utf-8"?>
+<p:sld xmlns:a="http://schemas.openxmlformats.org/drawingml/2006/main" xmlns:r="http://schemas.openxmlformats.org/officeDocument/2006/relationships" xmlns:p="http://schemas.openxmlformats.org/presentationml/2006/main">
+  <p:cSld>
+    <p:spTree>
+      <p:nvGrpSpPr>
+        <p:cNvPr id="1" name=""/>
+        <p:cNvGrpSpPr/>
+        <p:nvPr/>
+      </p:nvGrpSpPr>
+      <p:grpSpPr>
+        <a:xfrm>
+          <a:off x="0" y="0"/>
+          <a:ext cx="0" cy="0"/>
+          <a:chOff x="0" y="0"/>
+          <a:chExt cx="0" cy="0"/>
+        </a:xfrm>
+      </p:grpSpPr>
+      <p:sp>
+        <p:nvSpPr>
+          <p:cNvPr id="2" name="标题 1">
+            <a:extLst>
+              <a:ext uri="{FF2B5EF4-FFF2-40B4-BE49-F238E27FC236}">
+                <a16:creationId xmlns:a16="http://schemas.microsoft.com/office/drawing/2014/main" id="{9EAC9028-81EF-498F-A925-630913490202}"/>
+              </a:ext>
+            </a:extLst>
+          </p:cNvPr>
+          <p:cNvSpPr>
+            <a:spLocks noGrp="1"/>
+          </p:cNvSpPr>
+          <p:nvPr>
+            <p:ph type="title"/>
+          </p:nvPr>
+        </p:nvSpPr>
+        <p:spPr/>
+        <p:txBody>
+          <a:bodyPr/>
+          <a:lstStyle/>
+          <a:p>
+            <a:r>
+              <a:rPr lang="zh-CN" altLang="en-US" dirty="0"/>
+              <a:t>第十次讨论会</a:t>
+            </a:r>
+            <a:r>
+              <a:rPr lang="en-US" altLang="zh-CN" dirty="0"/>
+              <a:t>—</a:t>
+            </a:r>
+            <a:r>
+              <a:rPr lang="en-US" altLang="zh-CN" sz="2000" dirty="0"/>
+              <a:t>(2020/12/18 </a:t>
+            </a:r>
+            <a:r>
+              <a:rPr lang="zh-CN" altLang="en-US" sz="2000" dirty="0"/>
+              <a:t>和于老师、谭老师、周老师一起开会讨论。</a:t>
+            </a:r>
+            <a:r>
+              <a:rPr lang="en-US" altLang="zh-CN" sz="2000" dirty="0"/>
+              <a:t>)</a:t>
+            </a:r>
+            <a:endParaRPr lang="zh-CN" altLang="en-US" dirty="0"/>
+          </a:p>
+        </p:txBody>
+      </p:sp>
+      <p:sp>
+        <p:nvSpPr>
+          <p:cNvPr id="3" name="内容占位符 2">
+            <a:extLst>
+              <a:ext uri="{FF2B5EF4-FFF2-40B4-BE49-F238E27FC236}">
+                <a16:creationId xmlns:a16="http://schemas.microsoft.com/office/drawing/2014/main" id="{A2BAC509-D9C8-4447-89D4-18151FA35A99}"/>
+              </a:ext>
+            </a:extLst>
+          </p:cNvPr>
+          <p:cNvSpPr>
+            <a:spLocks noGrp="1"/>
+          </p:cNvSpPr>
+          <p:nvPr>
+            <p:ph idx="1"/>
+          </p:nvPr>
+        </p:nvSpPr>
+        <p:spPr/>
+        <p:txBody>
+          <a:bodyPr/>
+          <a:lstStyle/>
+          <a:p>
+            <a:r>
+              <a:rPr lang="zh-CN" altLang="en-US" dirty="0"/>
+              <a:t>总结</a:t>
+            </a:r>
+            <a:endParaRPr lang="en-US" altLang="zh-CN" dirty="0"/>
+          </a:p>
+          <a:p>
+            <a:pPr marL="0" indent="0">
+              <a:buNone/>
+            </a:pPr>
+            <a:r>
+              <a:rPr lang="en-US" altLang="zh-CN" dirty="0"/>
+              <a:t>1</a:t>
+            </a:r>
+            <a:r>
+              <a:rPr lang="zh-CN" altLang="en-US" dirty="0"/>
+              <a:t>、降水量问题，要求是在感兴趣的区域中，有效果。</a:t>
+            </a:r>
+            <a:endParaRPr lang="en-US" altLang="zh-CN" dirty="0"/>
+          </a:p>
+          <a:p>
+            <a:pPr marL="0" indent="0">
+              <a:buNone/>
+            </a:pPr>
+            <a:r>
+              <a:rPr lang="en-US" altLang="zh-CN" dirty="0"/>
+              <a:t>2</a:t>
+            </a:r>
+            <a:r>
+              <a:rPr lang="zh-CN" altLang="en-US" dirty="0"/>
+              <a:t>、最好，优化效果在季节内。</a:t>
+            </a:r>
+            <a:endParaRPr lang="en-US" altLang="zh-CN" dirty="0"/>
+          </a:p>
+          <a:p>
+            <a:pPr marL="0" indent="0">
+              <a:buNone/>
+            </a:pPr>
+            <a:r>
+              <a:rPr lang="en-US" altLang="zh-CN" dirty="0"/>
+              <a:t>3</a:t>
+            </a:r>
+            <a:r>
+              <a:rPr lang="zh-CN" altLang="en-US" dirty="0"/>
+              <a:t>、计算一年内的，季节内的相关系数即可。</a:t>
+            </a:r>
+            <a:endParaRPr lang="en-US" altLang="zh-CN" dirty="0"/>
+          </a:p>
+          <a:p>
+            <a:pPr marL="0" indent="0">
+              <a:buNone/>
+            </a:pPr>
+            <a:r>
+              <a:rPr lang="en-US" altLang="zh-CN" dirty="0"/>
+              <a:t>4</a:t>
+            </a:r>
+            <a:r>
+              <a:rPr lang="zh-CN" altLang="en-US" dirty="0"/>
+              <a:t>、降水量可以进行带通滤波。</a:t>
+            </a:r>
+            <a:endParaRPr lang="en-US" altLang="zh-CN" dirty="0"/>
+          </a:p>
+          <a:p>
+            <a:pPr marL="0" indent="0">
+              <a:buNone/>
+            </a:pPr>
+            <a:r>
+              <a:rPr lang="en-US" altLang="zh-CN" dirty="0"/>
+              <a:t>5</a:t>
+            </a:r>
+            <a:r>
+              <a:rPr lang="zh-CN" altLang="en-US" dirty="0"/>
+              <a:t>、</a:t>
+            </a:r>
+            <a:r>
+              <a:rPr lang="en-US" altLang="zh-CN" dirty="0" err="1"/>
+              <a:t>cio</a:t>
+            </a:r>
+            <a:r>
+              <a:rPr lang="zh-CN" altLang="en-US" dirty="0"/>
+              <a:t>数据尽量使用一维。</a:t>
+            </a:r>
+            <a:endParaRPr lang="en-US" altLang="zh-CN" dirty="0"/>
+          </a:p>
+        </p:txBody>
+      </p:sp>
+      <p:sp>
+        <p:nvSpPr>
+          <p:cNvPr id="4" name="日期占位符 3">
+            <a:extLst>
+              <a:ext uri="{FF2B5EF4-FFF2-40B4-BE49-F238E27FC236}">
+                <a16:creationId xmlns:a16="http://schemas.microsoft.com/office/drawing/2014/main" id="{458EECFB-19A6-4E51-9A1E-78FCDB6CC5BC}"/>
+              </a:ext>
+            </a:extLst>
+          </p:cNvPr>
+          <p:cNvSpPr>
+            <a:spLocks noGrp="1"/>
+          </p:cNvSpPr>
+          <p:nvPr>
+            <p:ph type="dt" sz="half" idx="10"/>
+          </p:nvPr>
+        </p:nvSpPr>
+        <p:spPr/>
+        <p:txBody>
+          <a:bodyPr/>
+          <a:lstStyle/>
+          <a:p>
+            <a:r>
+              <a:rPr lang="en-US" altLang="zh-CN" dirty="0"/>
+              <a:t>2020/12/21</a:t>
+            </a:r>
+            <a:endParaRPr lang="zh-CN" altLang="en-US" dirty="0"/>
+          </a:p>
+        </p:txBody>
+      </p:sp>
+      <p:sp>
+        <p:nvSpPr>
+          <p:cNvPr id="5" name="页脚占位符 4">
+            <a:extLst>
+              <a:ext uri="{FF2B5EF4-FFF2-40B4-BE49-F238E27FC236}">
+                <a16:creationId xmlns:a16="http://schemas.microsoft.com/office/drawing/2014/main" id="{5F3B3941-7173-486E-AF95-A1F0B25646E1}"/>
+              </a:ext>
+            </a:extLst>
+          </p:cNvPr>
+          <p:cNvSpPr>
+            <a:spLocks noGrp="1"/>
+          </p:cNvSpPr>
+          <p:nvPr>
+            <p:ph type="ftr" sz="quarter" idx="11"/>
+          </p:nvPr>
+        </p:nvSpPr>
+        <p:spPr/>
+        <p:txBody>
+          <a:bodyPr/>
+          <a:lstStyle/>
+          <a:p>
+            <a:endParaRPr lang="zh-CN" altLang="en-US"/>
+          </a:p>
+        </p:txBody>
+      </p:sp>
+    </p:spTree>
+    <p:extLst>
+      <p:ext uri="{BB962C8B-B14F-4D97-AF65-F5344CB8AC3E}">
+        <p14:creationId xmlns:p14="http://schemas.microsoft.com/office/powerpoint/2010/main" val="2610133846"/>
+      </p:ext>
+    </p:extLst>
+  </p:cSld>
+  <p:clrMapOvr>
+    <a:masterClrMapping/>
+  </p:clrMapOvr>
+</p:sld>
+</file>
+
+<file path=ppt/slides/slide21.xml><?xml version="1.0" encoding="utf-8"?>
+<p:sld xmlns:a="http://schemas.openxmlformats.org/drawingml/2006/main" xmlns:r="http://schemas.openxmlformats.org/officeDocument/2006/relationships" xmlns:p="http://schemas.openxmlformats.org/presentationml/2006/main">
+  <p:cSld>
+    <p:spTree>
+      <p:nvGrpSpPr>
+        <p:cNvPr id="1" name=""/>
+        <p:cNvGrpSpPr/>
+        <p:nvPr/>
+      </p:nvGrpSpPr>
+      <p:grpSpPr>
+        <a:xfrm>
+          <a:off x="0" y="0"/>
+          <a:ext cx="0" cy="0"/>
+          <a:chOff x="0" y="0"/>
+          <a:chExt cx="0" cy="0"/>
+        </a:xfrm>
+      </p:grpSpPr>
+      <p:sp>
+        <p:nvSpPr>
+          <p:cNvPr id="2" name="标题 1">
+            <a:extLst>
+              <a:ext uri="{FF2B5EF4-FFF2-40B4-BE49-F238E27FC236}">
+                <a16:creationId xmlns:a16="http://schemas.microsoft.com/office/drawing/2014/main" id="{EBCF6E5C-7520-4BB3-AE30-017DACA1B514}"/>
+              </a:ext>
+            </a:extLst>
+          </p:cNvPr>
+          <p:cNvSpPr>
+            <a:spLocks noGrp="1"/>
+          </p:cNvSpPr>
+          <p:nvPr>
+            <p:ph type="title"/>
+          </p:nvPr>
+        </p:nvSpPr>
+        <p:spPr/>
+        <p:txBody>
+          <a:bodyPr/>
+          <a:lstStyle/>
+          <a:p>
+            <a:r>
+              <a:rPr lang="zh-CN" altLang="en-US" dirty="0"/>
+              <a:t>第十次讨论会</a:t>
+            </a:r>
+          </a:p>
+        </p:txBody>
+      </p:sp>
+      <p:sp>
+        <p:nvSpPr>
+          <p:cNvPr id="3" name="内容占位符 2">
+            <a:extLst>
+              <a:ext uri="{FF2B5EF4-FFF2-40B4-BE49-F238E27FC236}">
+                <a16:creationId xmlns:a16="http://schemas.microsoft.com/office/drawing/2014/main" id="{8B0C2374-B594-40D7-A75A-DBED3FCA2973}"/>
+              </a:ext>
+            </a:extLst>
+          </p:cNvPr>
+          <p:cNvSpPr>
+            <a:spLocks noGrp="1"/>
+          </p:cNvSpPr>
+          <p:nvPr>
+            <p:ph idx="1"/>
+          </p:nvPr>
+        </p:nvSpPr>
+        <p:spPr/>
+        <p:txBody>
+          <a:bodyPr>
+            <a:normAutofit/>
+          </a:bodyPr>
+          <a:lstStyle/>
+          <a:p>
+            <a:pPr marL="0" indent="0">
+              <a:buNone/>
+            </a:pPr>
+            <a:r>
+              <a:rPr lang="zh-CN" altLang="en-US" dirty="0"/>
+              <a:t>下一步工作：</a:t>
+            </a:r>
+            <a:endParaRPr lang="en-US" altLang="zh-CN" dirty="0"/>
+          </a:p>
+          <a:p>
+            <a:r>
+              <a:rPr lang="en-US" altLang="zh-CN" sz="2400" dirty="0"/>
+              <a:t>1</a:t>
+            </a:r>
+            <a:r>
+              <a:rPr lang="zh-CN" altLang="en-US" sz="2400" dirty="0"/>
+              <a:t>、调整预测的点阵位置</a:t>
+            </a:r>
+            <a:r>
+              <a:rPr lang="en-US" altLang="zh-CN" sz="2400" dirty="0"/>
+              <a:t>[-10,30][60,140](</a:t>
+            </a:r>
+            <a:r>
+              <a:rPr lang="en-US" altLang="zh-CN" sz="2400" dirty="0" err="1"/>
+              <a:t>ps</a:t>
+            </a:r>
+            <a:r>
+              <a:rPr lang="en-US" altLang="zh-CN" sz="2400" dirty="0"/>
+              <a:t>:</a:t>
+            </a:r>
+            <a:r>
+              <a:rPr lang="zh-CN" altLang="en-US" sz="2400" dirty="0"/>
+              <a:t>不是很确定</a:t>
+            </a:r>
+            <a:r>
+              <a:rPr lang="en-US" altLang="zh-CN" sz="2400" dirty="0"/>
+              <a:t>)</a:t>
+            </a:r>
+          </a:p>
+          <a:p>
+            <a:r>
+              <a:rPr lang="en-US" altLang="zh-CN" sz="2400" dirty="0"/>
+              <a:t>2</a:t>
+            </a:r>
+            <a:r>
+              <a:rPr lang="zh-CN" altLang="en-US" sz="2400" dirty="0"/>
+              <a:t>、使用一维的</a:t>
+            </a:r>
+            <a:r>
+              <a:rPr lang="en-US" altLang="zh-CN" sz="2400" dirty="0"/>
+              <a:t>CIO</a:t>
+            </a:r>
+            <a:r>
+              <a:rPr lang="zh-CN" altLang="en-US" sz="2400" dirty="0"/>
+              <a:t>数据，一定要特别探究，</a:t>
+            </a:r>
+            <a:r>
+              <a:rPr lang="en-US" altLang="zh-CN" sz="2400" dirty="0"/>
+              <a:t>1Dcio</a:t>
+            </a:r>
+            <a:r>
+              <a:rPr lang="zh-CN" altLang="en-US" sz="2400" dirty="0"/>
+              <a:t>数据与</a:t>
+            </a:r>
+            <a:r>
+              <a:rPr lang="en-US" altLang="zh-CN" sz="2400" dirty="0"/>
+              <a:t>5Dcio</a:t>
+            </a:r>
+            <a:r>
+              <a:rPr lang="zh-CN" altLang="en-US" sz="2400" dirty="0"/>
+              <a:t>数据对结果的影响，如果影响给不大，就使用一维的</a:t>
+            </a:r>
+            <a:r>
+              <a:rPr lang="en-US" altLang="zh-CN" sz="2400" dirty="0"/>
+              <a:t>CIO</a:t>
+            </a:r>
+            <a:r>
+              <a:rPr lang="zh-CN" altLang="en-US" sz="2400" dirty="0"/>
+              <a:t>数据。</a:t>
+            </a:r>
+            <a:endParaRPr lang="en-US" altLang="zh-CN" sz="2400" dirty="0"/>
+          </a:p>
+          <a:p>
+            <a:r>
+              <a:rPr lang="en-US" altLang="zh-CN" sz="2400" dirty="0"/>
+              <a:t>3</a:t>
+            </a:r>
+            <a:r>
+              <a:rPr lang="zh-CN" altLang="en-US" sz="2400" dirty="0"/>
+              <a:t>、进一步优化模型，提高程序的运行效率。</a:t>
+            </a:r>
+            <a:endParaRPr lang="en-US" altLang="zh-CN" sz="2400" dirty="0"/>
+          </a:p>
+          <a:p>
+            <a:pPr marL="0" indent="0">
+              <a:buNone/>
+            </a:pPr>
+            <a:r>
+              <a:rPr lang="zh-CN" altLang="en-US" dirty="0"/>
+              <a:t>疑问：</a:t>
+            </a:r>
+            <a:endParaRPr lang="en-US" altLang="zh-CN" dirty="0"/>
+          </a:p>
+          <a:p>
+            <a:r>
+              <a:rPr lang="en-US" altLang="zh-CN" sz="2400" dirty="0"/>
+              <a:t>1</a:t>
+            </a:r>
+            <a:r>
+              <a:rPr lang="zh-CN" altLang="en-US" sz="2400" dirty="0"/>
+              <a:t>、下一步优化模型怎么搞？</a:t>
+            </a:r>
+            <a:endParaRPr lang="en-US" altLang="zh-CN" sz="2400" dirty="0"/>
+          </a:p>
+          <a:p>
+            <a:r>
+              <a:rPr lang="en-US" altLang="zh-CN" sz="2400" dirty="0"/>
+              <a:t>2</a:t>
+            </a:r>
+            <a:r>
+              <a:rPr lang="zh-CN" altLang="en-US" sz="2400" dirty="0"/>
+              <a:t>、可不可以用到给出的别的参数。</a:t>
+            </a:r>
+            <a:endParaRPr lang="en-US" altLang="zh-CN" sz="2400" dirty="0"/>
+          </a:p>
+        </p:txBody>
+      </p:sp>
+      <p:sp>
+        <p:nvSpPr>
+          <p:cNvPr id="4" name="日期占位符 3">
+            <a:extLst>
+              <a:ext uri="{FF2B5EF4-FFF2-40B4-BE49-F238E27FC236}">
+                <a16:creationId xmlns:a16="http://schemas.microsoft.com/office/drawing/2014/main" id="{A77CD00E-A4A9-4711-8C0F-564FEDB93D94}"/>
+              </a:ext>
+            </a:extLst>
+          </p:cNvPr>
+          <p:cNvSpPr>
+            <a:spLocks noGrp="1"/>
+          </p:cNvSpPr>
+          <p:nvPr>
+            <p:ph type="dt" sz="half" idx="10"/>
+          </p:nvPr>
+        </p:nvSpPr>
+        <p:spPr/>
+        <p:txBody>
+          <a:bodyPr/>
+          <a:lstStyle/>
+          <a:p>
+            <a:r>
+              <a:rPr lang="en-US" altLang="zh-CN"/>
+              <a:t>2020/11/27</a:t>
+            </a:r>
+            <a:endParaRPr lang="zh-CN" altLang="en-US"/>
+          </a:p>
+        </p:txBody>
+      </p:sp>
+      <p:sp>
+        <p:nvSpPr>
+          <p:cNvPr id="5" name="页脚占位符 4">
+            <a:extLst>
+              <a:ext uri="{FF2B5EF4-FFF2-40B4-BE49-F238E27FC236}">
+                <a16:creationId xmlns:a16="http://schemas.microsoft.com/office/drawing/2014/main" id="{4F2DF9B0-42D9-44C0-8B25-F00101EAB7A7}"/>
+              </a:ext>
+            </a:extLst>
+          </p:cNvPr>
+          <p:cNvSpPr>
+            <a:spLocks noGrp="1"/>
+          </p:cNvSpPr>
+          <p:nvPr>
+            <p:ph type="ftr" sz="quarter" idx="11"/>
+          </p:nvPr>
+        </p:nvSpPr>
+        <p:spPr/>
+        <p:txBody>
+          <a:bodyPr/>
+          <a:lstStyle/>
+          <a:p>
+            <a:endParaRPr lang="zh-CN" altLang="en-US"/>
+          </a:p>
+        </p:txBody>
+      </p:sp>
+    </p:spTree>
+    <p:extLst>
+      <p:ext uri="{BB962C8B-B14F-4D97-AF65-F5344CB8AC3E}">
+        <p14:creationId xmlns:p14="http://schemas.microsoft.com/office/powerpoint/2010/main" val="434615297"/>
       </p:ext>
     </p:extLst>
   </p:cSld>

--- a/documents/workshop_summary.pptx
+++ b/documents/workshop_summary.pptx
@@ -5,7 +5,7 @@
     <p:sldMasterId id="2147483648" r:id="rId1"/>
   </p:sldMasterIdLst>
   <p:notesMasterIdLst>
-    <p:notesMasterId r:id="rId23"/>
+    <p:notesMasterId r:id="rId25"/>
   </p:notesMasterIdLst>
   <p:sldIdLst>
     <p:sldId id="256" r:id="rId2"/>
@@ -29,6 +29,8 @@
     <p:sldId id="274" r:id="rId20"/>
     <p:sldId id="275" r:id="rId21"/>
     <p:sldId id="276" r:id="rId22"/>
+    <p:sldId id="278" r:id="rId23"/>
+    <p:sldId id="277" r:id="rId24"/>
   </p:sldIdLst>
   <p:sldSz cx="12192000" cy="6858000"/>
   <p:notesSz cx="6858000" cy="9144000"/>
@@ -217,7 +219,7 @@
           <a:p>
             <a:fld id="{7E45A342-5B8C-47A5-A361-1075BECA0050}" type="datetimeFigureOut">
               <a:rPr lang="zh-CN" altLang="en-US" smtClean="0"/>
-              <a:t>2020/12/23</a:t>
+              <a:t>2021/1/6</a:t>
             </a:fld>
             <a:endParaRPr lang="zh-CN" altLang="en-US"/>
           </a:p>
@@ -7335,6 +7337,412 @@
     <p:extLst>
       <p:ext uri="{BB962C8B-B14F-4D97-AF65-F5344CB8AC3E}">
         <p14:creationId xmlns:p14="http://schemas.microsoft.com/office/powerpoint/2010/main" val="434615297"/>
+      </p:ext>
+    </p:extLst>
+  </p:cSld>
+  <p:clrMapOvr>
+    <a:masterClrMapping/>
+  </p:clrMapOvr>
+</p:sld>
+</file>
+
+<file path=ppt/slides/slide22.xml><?xml version="1.0" encoding="utf-8"?>
+<p:sld xmlns:a="http://schemas.openxmlformats.org/drawingml/2006/main" xmlns:r="http://schemas.openxmlformats.org/officeDocument/2006/relationships" xmlns:p="http://schemas.openxmlformats.org/presentationml/2006/main">
+  <p:cSld>
+    <p:spTree>
+      <p:nvGrpSpPr>
+        <p:cNvPr id="1" name=""/>
+        <p:cNvGrpSpPr/>
+        <p:nvPr/>
+      </p:nvGrpSpPr>
+      <p:grpSpPr>
+        <a:xfrm>
+          <a:off x="0" y="0"/>
+          <a:ext cx="0" cy="0"/>
+          <a:chOff x="0" y="0"/>
+          <a:chExt cx="0" cy="0"/>
+        </a:xfrm>
+      </p:grpSpPr>
+      <p:sp>
+        <p:nvSpPr>
+          <p:cNvPr id="2" name="标题 1">
+            <a:extLst>
+              <a:ext uri="{FF2B5EF4-FFF2-40B4-BE49-F238E27FC236}">
+                <a16:creationId xmlns:a16="http://schemas.microsoft.com/office/drawing/2014/main" id="{EBCF6E5C-7520-4BB3-AE30-017DACA1B514}"/>
+              </a:ext>
+            </a:extLst>
+          </p:cNvPr>
+          <p:cNvSpPr>
+            <a:spLocks noGrp="1"/>
+          </p:cNvSpPr>
+          <p:nvPr>
+            <p:ph type="title"/>
+          </p:nvPr>
+        </p:nvSpPr>
+        <p:spPr/>
+        <p:txBody>
+          <a:bodyPr/>
+          <a:lstStyle/>
+          <a:p>
+            <a:r>
+              <a:rPr lang="zh-CN" altLang="en-US" dirty="0"/>
+              <a:t>第十一次讨论会</a:t>
+            </a:r>
+          </a:p>
+        </p:txBody>
+      </p:sp>
+      <p:sp>
+        <p:nvSpPr>
+          <p:cNvPr id="3" name="内容占位符 2">
+            <a:extLst>
+              <a:ext uri="{FF2B5EF4-FFF2-40B4-BE49-F238E27FC236}">
+                <a16:creationId xmlns:a16="http://schemas.microsoft.com/office/drawing/2014/main" id="{8B0C2374-B594-40D7-A75A-DBED3FCA2973}"/>
+              </a:ext>
+            </a:extLst>
+          </p:cNvPr>
+          <p:cNvSpPr>
+            <a:spLocks noGrp="1"/>
+          </p:cNvSpPr>
+          <p:nvPr>
+            <p:ph idx="1"/>
+          </p:nvPr>
+        </p:nvSpPr>
+        <p:spPr/>
+        <p:txBody>
+          <a:bodyPr>
+            <a:normAutofit/>
+          </a:bodyPr>
+          <a:lstStyle/>
+          <a:p>
+            <a:pPr marL="0" indent="0">
+              <a:buNone/>
+            </a:pPr>
+            <a:r>
+              <a:rPr lang="zh-CN" altLang="en-US" dirty="0"/>
+              <a:t>下一步工作：</a:t>
+            </a:r>
+            <a:endParaRPr lang="en-US" altLang="zh-CN" dirty="0"/>
+          </a:p>
+          <a:p>
+            <a:r>
+              <a:rPr lang="en-US" altLang="zh-CN" sz="2400" dirty="0"/>
+              <a:t>1</a:t>
+            </a:r>
+            <a:r>
+              <a:rPr lang="zh-CN" altLang="en-US" sz="2400" dirty="0"/>
+              <a:t>、将数据进行带通滤波，得到合适的结果。</a:t>
+            </a:r>
+            <a:endParaRPr lang="en-US" altLang="zh-CN" sz="2400" dirty="0"/>
+          </a:p>
+          <a:p>
+            <a:r>
+              <a:rPr lang="en-US" altLang="zh-CN" sz="2400" dirty="0"/>
+              <a:t>2</a:t>
+            </a:r>
+            <a:r>
+              <a:rPr lang="zh-CN" altLang="en-US" sz="2400" dirty="0"/>
+              <a:t>、使用原来的</a:t>
+            </a:r>
+            <a:r>
+              <a:rPr lang="en-US" altLang="zh-CN" sz="2400" dirty="0"/>
+              <a:t>CIO</a:t>
+            </a:r>
+            <a:r>
+              <a:rPr lang="zh-CN" altLang="en-US" sz="2400" dirty="0"/>
+              <a:t>和带通滤波后的降水量数据，对降水量情况进行预测。</a:t>
+            </a:r>
+            <a:endParaRPr lang="en-US" altLang="zh-CN" sz="2400" dirty="0"/>
+          </a:p>
+          <a:p>
+            <a:r>
+              <a:rPr lang="en-US" altLang="zh-CN" sz="2400" dirty="0"/>
+              <a:t>3</a:t>
+            </a:r>
+            <a:r>
+              <a:rPr lang="zh-CN" altLang="en-US" sz="2400" dirty="0"/>
+              <a:t>、使用</a:t>
+            </a:r>
+            <a:r>
+              <a:rPr lang="en-US" altLang="zh-CN" sz="2400" dirty="0" err="1"/>
+              <a:t>project_CIO</a:t>
+            </a:r>
+            <a:r>
+              <a:rPr lang="zh-CN" altLang="en-US" sz="2400" dirty="0"/>
+              <a:t>和带通滤波后的降水量数据进行预测。</a:t>
+            </a:r>
+            <a:endParaRPr lang="en-US" altLang="zh-CN" sz="2400" dirty="0"/>
+          </a:p>
+          <a:p>
+            <a:pPr marL="0" indent="0">
+              <a:buNone/>
+            </a:pPr>
+            <a:r>
+              <a:rPr lang="zh-CN" altLang="en-US" dirty="0"/>
+              <a:t>疑问：</a:t>
+            </a:r>
+            <a:endParaRPr lang="en-US" altLang="zh-CN" dirty="0"/>
+          </a:p>
+          <a:p>
+            <a:r>
+              <a:rPr lang="en-US" altLang="zh-CN" sz="2400" dirty="0"/>
+              <a:t>1</a:t>
+            </a:r>
+            <a:r>
+              <a:rPr lang="zh-CN" altLang="en-US" sz="2400" dirty="0"/>
+              <a:t>、下一步优化模型怎么设置？</a:t>
+            </a:r>
+            <a:endParaRPr lang="en-US" altLang="zh-CN" sz="2400" dirty="0"/>
+          </a:p>
+        </p:txBody>
+      </p:sp>
+      <p:sp>
+        <p:nvSpPr>
+          <p:cNvPr id="4" name="日期占位符 3">
+            <a:extLst>
+              <a:ext uri="{FF2B5EF4-FFF2-40B4-BE49-F238E27FC236}">
+                <a16:creationId xmlns:a16="http://schemas.microsoft.com/office/drawing/2014/main" id="{A77CD00E-A4A9-4711-8C0F-564FEDB93D94}"/>
+              </a:ext>
+            </a:extLst>
+          </p:cNvPr>
+          <p:cNvSpPr>
+            <a:spLocks noGrp="1"/>
+          </p:cNvSpPr>
+          <p:nvPr>
+            <p:ph type="dt" sz="half" idx="10"/>
+          </p:nvPr>
+        </p:nvSpPr>
+        <p:spPr/>
+        <p:txBody>
+          <a:bodyPr/>
+          <a:lstStyle/>
+          <a:p>
+            <a:r>
+              <a:rPr lang="en-US" altLang="zh-CN" dirty="0"/>
+              <a:t>2020/11/27</a:t>
+            </a:r>
+            <a:endParaRPr lang="zh-CN" altLang="en-US" dirty="0"/>
+          </a:p>
+        </p:txBody>
+      </p:sp>
+      <p:sp>
+        <p:nvSpPr>
+          <p:cNvPr id="5" name="页脚占位符 4">
+            <a:extLst>
+              <a:ext uri="{FF2B5EF4-FFF2-40B4-BE49-F238E27FC236}">
+                <a16:creationId xmlns:a16="http://schemas.microsoft.com/office/drawing/2014/main" id="{4F2DF9B0-42D9-44C0-8B25-F00101EAB7A7}"/>
+              </a:ext>
+            </a:extLst>
+          </p:cNvPr>
+          <p:cNvSpPr>
+            <a:spLocks noGrp="1"/>
+          </p:cNvSpPr>
+          <p:nvPr>
+            <p:ph type="ftr" sz="quarter" idx="11"/>
+          </p:nvPr>
+        </p:nvSpPr>
+        <p:spPr/>
+        <p:txBody>
+          <a:bodyPr/>
+          <a:lstStyle/>
+          <a:p>
+            <a:endParaRPr lang="zh-CN" altLang="en-US"/>
+          </a:p>
+        </p:txBody>
+      </p:sp>
+    </p:spTree>
+    <p:extLst>
+      <p:ext uri="{BB962C8B-B14F-4D97-AF65-F5344CB8AC3E}">
+        <p14:creationId xmlns:p14="http://schemas.microsoft.com/office/powerpoint/2010/main" val="1474659912"/>
+      </p:ext>
+    </p:extLst>
+  </p:cSld>
+  <p:clrMapOvr>
+    <a:masterClrMapping/>
+  </p:clrMapOvr>
+</p:sld>
+</file>
+
+<file path=ppt/slides/slide23.xml><?xml version="1.0" encoding="utf-8"?>
+<p:sld xmlns:a="http://schemas.openxmlformats.org/drawingml/2006/main" xmlns:r="http://schemas.openxmlformats.org/officeDocument/2006/relationships" xmlns:p="http://schemas.openxmlformats.org/presentationml/2006/main">
+  <p:cSld>
+    <p:spTree>
+      <p:nvGrpSpPr>
+        <p:cNvPr id="1" name=""/>
+        <p:cNvGrpSpPr/>
+        <p:nvPr/>
+      </p:nvGrpSpPr>
+      <p:grpSpPr>
+        <a:xfrm>
+          <a:off x="0" y="0"/>
+          <a:ext cx="0" cy="0"/>
+          <a:chOff x="0" y="0"/>
+          <a:chExt cx="0" cy="0"/>
+        </a:xfrm>
+      </p:grpSpPr>
+      <p:sp>
+        <p:nvSpPr>
+          <p:cNvPr id="2" name="标题 1">
+            <a:extLst>
+              <a:ext uri="{FF2B5EF4-FFF2-40B4-BE49-F238E27FC236}">
+                <a16:creationId xmlns:a16="http://schemas.microsoft.com/office/drawing/2014/main" id="{1EA03EBD-8E88-4468-8ECB-7B36F892FE37}"/>
+              </a:ext>
+            </a:extLst>
+          </p:cNvPr>
+          <p:cNvSpPr>
+            <a:spLocks noGrp="1"/>
+          </p:cNvSpPr>
+          <p:nvPr>
+            <p:ph type="title"/>
+          </p:nvPr>
+        </p:nvSpPr>
+        <p:spPr/>
+        <p:txBody>
+          <a:bodyPr/>
+          <a:lstStyle/>
+          <a:p>
+            <a:r>
+              <a:rPr lang="zh-CN" altLang="en-US" dirty="0"/>
+              <a:t>第十一次讨论会</a:t>
+            </a:r>
+          </a:p>
+        </p:txBody>
+      </p:sp>
+      <p:sp>
+        <p:nvSpPr>
+          <p:cNvPr id="3" name="内容占位符 2">
+            <a:extLst>
+              <a:ext uri="{FF2B5EF4-FFF2-40B4-BE49-F238E27FC236}">
+                <a16:creationId xmlns:a16="http://schemas.microsoft.com/office/drawing/2014/main" id="{92D7817B-8590-4E5B-8997-0C7F98FE80EB}"/>
+              </a:ext>
+            </a:extLst>
+          </p:cNvPr>
+          <p:cNvSpPr>
+            <a:spLocks noGrp="1"/>
+          </p:cNvSpPr>
+          <p:nvPr>
+            <p:ph idx="1"/>
+          </p:nvPr>
+        </p:nvSpPr>
+        <p:spPr/>
+        <p:txBody>
+          <a:bodyPr/>
+          <a:lstStyle/>
+          <a:p>
+            <a:r>
+              <a:rPr lang="zh-CN" altLang="en-US" dirty="0"/>
+              <a:t>工作内容</a:t>
+            </a:r>
+            <a:endParaRPr lang="en-US" altLang="zh-CN" dirty="0"/>
+          </a:p>
+          <a:p>
+            <a:r>
+              <a:rPr lang="en-US" altLang="zh-CN" dirty="0"/>
+              <a:t>1</a:t>
+            </a:r>
+            <a:r>
+              <a:rPr lang="zh-CN" altLang="en-US" dirty="0"/>
+              <a:t>、将降水量信息进行带通滤波。</a:t>
+            </a:r>
+            <a:endParaRPr lang="en-US" altLang="zh-CN" dirty="0"/>
+          </a:p>
+          <a:p>
+            <a:r>
+              <a:rPr lang="en-US" altLang="zh-CN" dirty="0"/>
+              <a:t>2</a:t>
+            </a:r>
+            <a:r>
+              <a:rPr lang="zh-CN" altLang="en-US" dirty="0"/>
+              <a:t>、用原来的</a:t>
+            </a:r>
+            <a:r>
+              <a:rPr lang="en-US" altLang="zh-CN" dirty="0"/>
+              <a:t>CIO</a:t>
+            </a:r>
+            <a:r>
+              <a:rPr lang="zh-CN" altLang="en-US" dirty="0"/>
+              <a:t>数据，和带通滤波后的降水量数据，预测降水量信息，得到结果，并画出图。</a:t>
+            </a:r>
+            <a:endParaRPr lang="en-US" altLang="zh-CN" dirty="0"/>
+          </a:p>
+          <a:p>
+            <a:r>
+              <a:rPr lang="en-US" altLang="zh-CN" dirty="0"/>
+              <a:t>3</a:t>
+            </a:r>
+            <a:r>
+              <a:rPr lang="zh-CN" altLang="en-US" dirty="0"/>
+              <a:t>、将</a:t>
+            </a:r>
+            <a:r>
+              <a:rPr lang="en-US" altLang="zh-CN" dirty="0"/>
+              <a:t>project</a:t>
+            </a:r>
+            <a:r>
+              <a:rPr lang="zh-CN" altLang="en-US" dirty="0"/>
+              <a:t>数据进行合适的分离，得到直接可用的数据，然后再使用带通滤波后的降水量数据，进行预测。</a:t>
+            </a:r>
+            <a:endParaRPr lang="en-US" altLang="zh-CN" dirty="0"/>
+          </a:p>
+        </p:txBody>
+      </p:sp>
+      <p:sp>
+        <p:nvSpPr>
+          <p:cNvPr id="4" name="日期占位符 3">
+            <a:extLst>
+              <a:ext uri="{FF2B5EF4-FFF2-40B4-BE49-F238E27FC236}">
+                <a16:creationId xmlns:a16="http://schemas.microsoft.com/office/drawing/2014/main" id="{51B98F1C-D53F-42EE-83F2-828AAF2CFF57}"/>
+              </a:ext>
+            </a:extLst>
+          </p:cNvPr>
+          <p:cNvSpPr>
+            <a:spLocks noGrp="1"/>
+          </p:cNvSpPr>
+          <p:nvPr>
+            <p:ph type="dt" sz="half" idx="10"/>
+          </p:nvPr>
+        </p:nvSpPr>
+        <p:spPr/>
+        <p:txBody>
+          <a:bodyPr/>
+          <a:lstStyle/>
+          <a:p>
+            <a:r>
+              <a:rPr lang="en-US" altLang="zh-CN"/>
+              <a:t>2020/11/27</a:t>
+            </a:r>
+            <a:endParaRPr lang="zh-CN" altLang="en-US"/>
+          </a:p>
+        </p:txBody>
+      </p:sp>
+      <p:sp>
+        <p:nvSpPr>
+          <p:cNvPr id="5" name="页脚占位符 4">
+            <a:extLst>
+              <a:ext uri="{FF2B5EF4-FFF2-40B4-BE49-F238E27FC236}">
+                <a16:creationId xmlns:a16="http://schemas.microsoft.com/office/drawing/2014/main" id="{078F1F7D-BC8D-4030-98D9-8E5399E2EEB3}"/>
+              </a:ext>
+            </a:extLst>
+          </p:cNvPr>
+          <p:cNvSpPr>
+            <a:spLocks noGrp="1"/>
+          </p:cNvSpPr>
+          <p:nvPr>
+            <p:ph type="ftr" sz="quarter" idx="11"/>
+          </p:nvPr>
+        </p:nvSpPr>
+        <p:spPr/>
+        <p:txBody>
+          <a:bodyPr/>
+          <a:lstStyle/>
+          <a:p>
+            <a:endParaRPr lang="zh-CN" altLang="en-US"/>
+          </a:p>
+        </p:txBody>
+      </p:sp>
+    </p:spTree>
+    <p:extLst>
+      <p:ext uri="{BB962C8B-B14F-4D97-AF65-F5344CB8AC3E}">
+        <p14:creationId xmlns:p14="http://schemas.microsoft.com/office/powerpoint/2010/main" val="1748477972"/>
       </p:ext>
     </p:extLst>
   </p:cSld>

--- a/documents/workshop_summary.pptx
+++ b/documents/workshop_summary.pptx
@@ -5,7 +5,7 @@
     <p:sldMasterId id="2147483648" r:id="rId1"/>
   </p:sldMasterIdLst>
   <p:notesMasterIdLst>
-    <p:notesMasterId r:id="rId25"/>
+    <p:notesMasterId r:id="rId30"/>
   </p:notesMasterIdLst>
   <p:sldIdLst>
     <p:sldId id="256" r:id="rId2"/>
@@ -31,6 +31,11 @@
     <p:sldId id="276" r:id="rId22"/>
     <p:sldId id="278" r:id="rId23"/>
     <p:sldId id="277" r:id="rId24"/>
+    <p:sldId id="279" r:id="rId25"/>
+    <p:sldId id="281" r:id="rId26"/>
+    <p:sldId id="282" r:id="rId27"/>
+    <p:sldId id="283" r:id="rId28"/>
+    <p:sldId id="286" r:id="rId29"/>
   </p:sldIdLst>
   <p:sldSz cx="12192000" cy="6858000"/>
   <p:notesSz cx="6858000" cy="9144000"/>
@@ -219,7 +224,7 @@
           <a:p>
             <a:fld id="{7E45A342-5B8C-47A5-A361-1075BECA0050}" type="datetimeFigureOut">
               <a:rPr lang="zh-CN" altLang="en-US" smtClean="0"/>
-              <a:t>2021/1/6</a:t>
+              <a:t>2021/1/13</a:t>
             </a:fld>
             <a:endParaRPr lang="zh-CN" altLang="en-US"/>
           </a:p>
@@ -7301,10 +7306,10 @@
           <a:lstStyle/>
           <a:p>
             <a:r>
-              <a:rPr lang="en-US" altLang="zh-CN"/>
-              <a:t>2020/11/27</a:t>
-            </a:r>
-            <a:endParaRPr lang="zh-CN" altLang="en-US"/>
+              <a:rPr lang="en-US" altLang="zh-CN" dirty="0"/>
+              <a:t>2020/12/21</a:t>
+            </a:r>
+            <a:endParaRPr lang="zh-CN" altLang="en-US" dirty="0"/>
           </a:p>
         </p:txBody>
       </p:sp>
@@ -7518,7 +7523,7 @@
           <a:p>
             <a:r>
               <a:rPr lang="en-US" altLang="zh-CN" dirty="0"/>
-              <a:t>2020/11/27</a:t>
+              <a:t>2021/1/6</a:t>
             </a:r>
             <a:endParaRPr lang="zh-CN" altLang="en-US" dirty="0"/>
           </a:p>
@@ -7707,10 +7712,10 @@
           <a:lstStyle/>
           <a:p>
             <a:r>
-              <a:rPr lang="en-US" altLang="zh-CN"/>
-              <a:t>2020/11/27</a:t>
-            </a:r>
-            <a:endParaRPr lang="zh-CN" altLang="en-US"/>
+              <a:rPr lang="en-US" altLang="zh-CN" dirty="0"/>
+              <a:t>2021/1/6</a:t>
+            </a:r>
+            <a:endParaRPr lang="zh-CN" altLang="en-US" dirty="0"/>
           </a:p>
         </p:txBody>
       </p:sp>
@@ -7743,6 +7748,1584 @@
     <p:extLst>
       <p:ext uri="{BB962C8B-B14F-4D97-AF65-F5344CB8AC3E}">
         <p14:creationId xmlns:p14="http://schemas.microsoft.com/office/powerpoint/2010/main" val="1748477972"/>
+      </p:ext>
+    </p:extLst>
+  </p:cSld>
+  <p:clrMapOvr>
+    <a:masterClrMapping/>
+  </p:clrMapOvr>
+</p:sld>
+</file>
+
+<file path=ppt/slides/slide24.xml><?xml version="1.0" encoding="utf-8"?>
+<p:sld xmlns:a="http://schemas.openxmlformats.org/drawingml/2006/main" xmlns:r="http://schemas.openxmlformats.org/officeDocument/2006/relationships" xmlns:p="http://schemas.openxmlformats.org/presentationml/2006/main">
+  <p:cSld>
+    <p:spTree>
+      <p:nvGrpSpPr>
+        <p:cNvPr id="1" name=""/>
+        <p:cNvGrpSpPr/>
+        <p:nvPr/>
+      </p:nvGrpSpPr>
+      <p:grpSpPr>
+        <a:xfrm>
+          <a:off x="0" y="0"/>
+          <a:ext cx="0" cy="0"/>
+          <a:chOff x="0" y="0"/>
+          <a:chExt cx="0" cy="0"/>
+        </a:xfrm>
+      </p:grpSpPr>
+      <p:sp>
+        <p:nvSpPr>
+          <p:cNvPr id="2" name="标题 1">
+            <a:extLst>
+              <a:ext uri="{FF2B5EF4-FFF2-40B4-BE49-F238E27FC236}">
+                <a16:creationId xmlns:a16="http://schemas.microsoft.com/office/drawing/2014/main" id="{09C3E563-01DD-4A2D-82CF-74D4B8C86445}"/>
+              </a:ext>
+            </a:extLst>
+          </p:cNvPr>
+          <p:cNvSpPr>
+            <a:spLocks noGrp="1"/>
+          </p:cNvSpPr>
+          <p:nvPr>
+            <p:ph type="title"/>
+          </p:nvPr>
+        </p:nvSpPr>
+        <p:spPr/>
+        <p:txBody>
+          <a:bodyPr/>
+          <a:lstStyle/>
+          <a:p>
+            <a:r>
+              <a:rPr lang="zh-CN" altLang="en-US" dirty="0"/>
+              <a:t>第十一次讨论会</a:t>
+            </a:r>
+          </a:p>
+        </p:txBody>
+      </p:sp>
+      <p:sp>
+        <p:nvSpPr>
+          <p:cNvPr id="3" name="内容占位符 2">
+            <a:extLst>
+              <a:ext uri="{FF2B5EF4-FFF2-40B4-BE49-F238E27FC236}">
+                <a16:creationId xmlns:a16="http://schemas.microsoft.com/office/drawing/2014/main" id="{FD98A9B8-821B-4AC9-A12E-FB7D0DCA736A}"/>
+              </a:ext>
+            </a:extLst>
+          </p:cNvPr>
+          <p:cNvSpPr>
+            <a:spLocks noGrp="1"/>
+          </p:cNvSpPr>
+          <p:nvPr>
+            <p:ph idx="1"/>
+          </p:nvPr>
+        </p:nvSpPr>
+        <p:spPr/>
+        <p:txBody>
+          <a:bodyPr/>
+          <a:lstStyle/>
+          <a:p>
+            <a:r>
+              <a:rPr lang="zh-CN" altLang="en-US" dirty="0"/>
+              <a:t>试验一 </a:t>
+            </a:r>
+            <a:r>
+              <a:rPr lang="en-US" altLang="zh-CN" dirty="0"/>
+              <a:t>——CIO</a:t>
+            </a:r>
+            <a:r>
+              <a:rPr lang="zh-CN" altLang="en-US" dirty="0"/>
+              <a:t>数据与带通滤波后的降水量数据作为输入</a:t>
+            </a:r>
+            <a:endParaRPr lang="en-US" altLang="zh-CN" dirty="0"/>
+          </a:p>
+          <a:p>
+            <a:pPr marL="0" indent="0">
+              <a:buNone/>
+            </a:pPr>
+            <a:r>
+              <a:rPr lang="zh-CN" altLang="en-US" sz="1600" dirty="0"/>
+              <a:t>最大值</a:t>
+            </a:r>
+            <a:r>
+              <a:rPr lang="en-US" altLang="zh-CN" sz="1600" dirty="0"/>
+              <a:t>——</a:t>
+            </a:r>
+            <a:r>
+              <a:rPr lang="zh-CN" altLang="zh-CN" sz="1600" dirty="0">
+                <a:solidFill>
+                  <a:srgbClr val="000000"/>
+                </a:solidFill>
+                <a:latin typeface="Courier New" panose="02070309020205020404" pitchFamily="49" charset="0"/>
+                <a:cs typeface="Courier New" panose="02070309020205020404" pitchFamily="49" charset="0"/>
+              </a:rPr>
+              <a:t>0.7431793660837418 </a:t>
+            </a:r>
+            <a:endParaRPr lang="en-US" altLang="zh-CN" sz="1600" dirty="0"/>
+          </a:p>
+          <a:p>
+            <a:pPr marL="0" indent="0">
+              <a:buNone/>
+            </a:pPr>
+            <a:r>
+              <a:rPr lang="zh-CN" altLang="en-US" sz="1600" dirty="0"/>
+              <a:t>最小值</a:t>
+            </a:r>
+            <a:r>
+              <a:rPr lang="en-US" altLang="zh-CN" sz="1600" dirty="0"/>
+              <a:t>—— -</a:t>
+            </a:r>
+            <a:r>
+              <a:rPr lang="zh-CN" altLang="zh-CN" sz="1600" dirty="0">
+                <a:solidFill>
+                  <a:srgbClr val="000000"/>
+                </a:solidFill>
+                <a:latin typeface="Courier New" panose="02070309020205020404" pitchFamily="49" charset="0"/>
+                <a:cs typeface="Courier New" panose="02070309020205020404" pitchFamily="49" charset="0"/>
+              </a:rPr>
+              <a:t>0.3256293158308732</a:t>
+            </a:r>
+            <a:endParaRPr lang="en-US" altLang="zh-CN" sz="1600" dirty="0">
+              <a:solidFill>
+                <a:srgbClr val="000000"/>
+              </a:solidFill>
+              <a:latin typeface="Courier New" panose="02070309020205020404" pitchFamily="49" charset="0"/>
+              <a:cs typeface="Courier New" panose="02070309020205020404" pitchFamily="49" charset="0"/>
+            </a:endParaRPr>
+          </a:p>
+          <a:p>
+            <a:pPr marL="0" indent="0">
+              <a:buNone/>
+            </a:pPr>
+            <a:r>
+              <a:rPr lang="zh-CN" altLang="en-US" sz="1600" dirty="0">
+                <a:solidFill>
+                  <a:srgbClr val="000000"/>
+                </a:solidFill>
+                <a:latin typeface="Courier New" panose="02070309020205020404" pitchFamily="49" charset="0"/>
+                <a:cs typeface="Courier New" panose="02070309020205020404" pitchFamily="49" charset="0"/>
+              </a:rPr>
+              <a:t>皮尔森系数大于</a:t>
+            </a:r>
+            <a:r>
+              <a:rPr lang="en-US" altLang="zh-CN" sz="1600" dirty="0">
+                <a:solidFill>
+                  <a:srgbClr val="000000"/>
+                </a:solidFill>
+                <a:latin typeface="Courier New" panose="02070309020205020404" pitchFamily="49" charset="0"/>
+                <a:cs typeface="Courier New" panose="02070309020205020404" pitchFamily="49" charset="0"/>
+              </a:rPr>
+              <a:t>0.6  14   1.4%</a:t>
+            </a:r>
+          </a:p>
+          <a:p>
+            <a:pPr marL="0" indent="0">
+              <a:buNone/>
+            </a:pPr>
+            <a:r>
+              <a:rPr lang="zh-CN" altLang="en-US" sz="1600" dirty="0">
+                <a:solidFill>
+                  <a:srgbClr val="000000"/>
+                </a:solidFill>
+                <a:latin typeface="Courier New" panose="02070309020205020404" pitchFamily="49" charset="0"/>
+                <a:cs typeface="Courier New" panose="02070309020205020404" pitchFamily="49" charset="0"/>
+              </a:rPr>
+              <a:t>皮尔森系数大于</a:t>
+            </a:r>
+            <a:r>
+              <a:rPr lang="en-US" altLang="zh-CN" sz="1600" dirty="0">
+                <a:solidFill>
+                  <a:srgbClr val="000000"/>
+                </a:solidFill>
+                <a:latin typeface="Courier New" panose="02070309020205020404" pitchFamily="49" charset="0"/>
+                <a:cs typeface="Courier New" panose="02070309020205020404" pitchFamily="49" charset="0"/>
+              </a:rPr>
+              <a:t>0.5  48   4.7%</a:t>
+            </a:r>
+          </a:p>
+          <a:p>
+            <a:pPr marL="0" indent="0">
+              <a:buNone/>
+            </a:pPr>
+            <a:r>
+              <a:rPr lang="zh-CN" altLang="en-US" sz="1600" dirty="0">
+                <a:solidFill>
+                  <a:srgbClr val="000000"/>
+                </a:solidFill>
+                <a:latin typeface="Courier New" panose="02070309020205020404" pitchFamily="49" charset="0"/>
+                <a:cs typeface="Courier New" panose="02070309020205020404" pitchFamily="49" charset="0"/>
+              </a:rPr>
+              <a:t>皮尔森系数大于</a:t>
+            </a:r>
+            <a:r>
+              <a:rPr lang="en-US" altLang="zh-CN" sz="1600" dirty="0">
+                <a:solidFill>
+                  <a:srgbClr val="000000"/>
+                </a:solidFill>
+                <a:latin typeface="Courier New" panose="02070309020205020404" pitchFamily="49" charset="0"/>
+                <a:cs typeface="Courier New" panose="02070309020205020404" pitchFamily="49" charset="0"/>
+              </a:rPr>
+              <a:t>0.4  103  10.2%</a:t>
+            </a:r>
+          </a:p>
+          <a:p>
+            <a:pPr marL="0" indent="0">
+              <a:buNone/>
+            </a:pPr>
+            <a:r>
+              <a:rPr lang="zh-CN" altLang="en-US" sz="1600" dirty="0">
+                <a:solidFill>
+                  <a:srgbClr val="000000"/>
+                </a:solidFill>
+                <a:latin typeface="Courier New" panose="02070309020205020404" pitchFamily="49" charset="0"/>
+                <a:cs typeface="Courier New" panose="02070309020205020404" pitchFamily="49" charset="0"/>
+              </a:rPr>
+              <a:t>皮尔森系数大于</a:t>
+            </a:r>
+            <a:r>
+              <a:rPr lang="en-US" altLang="zh-CN" sz="1600" dirty="0">
+                <a:solidFill>
+                  <a:srgbClr val="000000"/>
+                </a:solidFill>
+                <a:latin typeface="Courier New" panose="02070309020205020404" pitchFamily="49" charset="0"/>
+                <a:cs typeface="Courier New" panose="02070309020205020404" pitchFamily="49" charset="0"/>
+              </a:rPr>
+              <a:t>0.3  203  20.1%</a:t>
+            </a:r>
+            <a:endParaRPr lang="zh-CN" altLang="en-US" sz="1600" dirty="0"/>
+          </a:p>
+        </p:txBody>
+      </p:sp>
+      <p:sp>
+        <p:nvSpPr>
+          <p:cNvPr id="4" name="日期占位符 3">
+            <a:extLst>
+              <a:ext uri="{FF2B5EF4-FFF2-40B4-BE49-F238E27FC236}">
+                <a16:creationId xmlns:a16="http://schemas.microsoft.com/office/drawing/2014/main" id="{22A6FF79-9635-4653-BF7D-CDB3AB3DA93B}"/>
+              </a:ext>
+            </a:extLst>
+          </p:cNvPr>
+          <p:cNvSpPr>
+            <a:spLocks noGrp="1"/>
+          </p:cNvSpPr>
+          <p:nvPr>
+            <p:ph type="dt" sz="half" idx="10"/>
+          </p:nvPr>
+        </p:nvSpPr>
+        <p:spPr/>
+        <p:txBody>
+          <a:bodyPr/>
+          <a:lstStyle/>
+          <a:p>
+            <a:r>
+              <a:rPr lang="en-US" altLang="zh-CN" dirty="0"/>
+              <a:t>2021/1/6</a:t>
+            </a:r>
+            <a:endParaRPr lang="zh-CN" altLang="en-US" dirty="0"/>
+          </a:p>
+        </p:txBody>
+      </p:sp>
+      <p:sp>
+        <p:nvSpPr>
+          <p:cNvPr id="5" name="页脚占位符 4">
+            <a:extLst>
+              <a:ext uri="{FF2B5EF4-FFF2-40B4-BE49-F238E27FC236}">
+                <a16:creationId xmlns:a16="http://schemas.microsoft.com/office/drawing/2014/main" id="{7D724BE3-F38B-4749-A29B-8B05483B8C3F}"/>
+              </a:ext>
+            </a:extLst>
+          </p:cNvPr>
+          <p:cNvSpPr>
+            <a:spLocks noGrp="1"/>
+          </p:cNvSpPr>
+          <p:nvPr>
+            <p:ph type="ftr" sz="quarter" idx="11"/>
+          </p:nvPr>
+        </p:nvSpPr>
+        <p:spPr/>
+        <p:txBody>
+          <a:bodyPr/>
+          <a:lstStyle/>
+          <a:p>
+            <a:endParaRPr lang="zh-CN" altLang="en-US"/>
+          </a:p>
+        </p:txBody>
+      </p:sp>
+      <p:pic>
+        <p:nvPicPr>
+          <p:cNvPr id="8" name="图片 7">
+            <a:extLst>
+              <a:ext uri="{FF2B5EF4-FFF2-40B4-BE49-F238E27FC236}">
+                <a16:creationId xmlns:a16="http://schemas.microsoft.com/office/drawing/2014/main" id="{E3273A4C-3AB9-4147-BAA1-DC12B0217EA0}"/>
+              </a:ext>
+            </a:extLst>
+          </p:cNvPr>
+          <p:cNvPicPr>
+            <a:picLocks noChangeAspect="1"/>
+          </p:cNvPicPr>
+          <p:nvPr/>
+        </p:nvPicPr>
+        <p:blipFill>
+          <a:blip r:embed="rId2"/>
+          <a:stretch>
+            <a:fillRect/>
+          </a:stretch>
+        </p:blipFill>
+        <p:spPr>
+          <a:xfrm>
+            <a:off x="4834498" y="2454442"/>
+            <a:ext cx="6282680" cy="3507995"/>
+          </a:xfrm>
+          <a:prstGeom prst="rect">
+            <a:avLst/>
+          </a:prstGeom>
+        </p:spPr>
+      </p:pic>
+    </p:spTree>
+    <p:extLst>
+      <p:ext uri="{BB962C8B-B14F-4D97-AF65-F5344CB8AC3E}">
+        <p14:creationId xmlns:p14="http://schemas.microsoft.com/office/powerpoint/2010/main" val="2188063403"/>
+      </p:ext>
+    </p:extLst>
+  </p:cSld>
+  <p:clrMapOvr>
+    <a:masterClrMapping/>
+  </p:clrMapOvr>
+</p:sld>
+</file>
+
+<file path=ppt/slides/slide25.xml><?xml version="1.0" encoding="utf-8"?>
+<p:sld xmlns:a="http://schemas.openxmlformats.org/drawingml/2006/main" xmlns:r="http://schemas.openxmlformats.org/officeDocument/2006/relationships" xmlns:p="http://schemas.openxmlformats.org/presentationml/2006/main">
+  <p:cSld>
+    <p:spTree>
+      <p:nvGrpSpPr>
+        <p:cNvPr id="1" name=""/>
+        <p:cNvGrpSpPr/>
+        <p:nvPr/>
+      </p:nvGrpSpPr>
+      <p:grpSpPr>
+        <a:xfrm>
+          <a:off x="0" y="0"/>
+          <a:ext cx="0" cy="0"/>
+          <a:chOff x="0" y="0"/>
+          <a:chExt cx="0" cy="0"/>
+        </a:xfrm>
+      </p:grpSpPr>
+      <p:sp>
+        <p:nvSpPr>
+          <p:cNvPr id="2" name="标题 1">
+            <a:extLst>
+              <a:ext uri="{FF2B5EF4-FFF2-40B4-BE49-F238E27FC236}">
+                <a16:creationId xmlns:a16="http://schemas.microsoft.com/office/drawing/2014/main" id="{09C3E563-01DD-4A2D-82CF-74D4B8C86445}"/>
+              </a:ext>
+            </a:extLst>
+          </p:cNvPr>
+          <p:cNvSpPr>
+            <a:spLocks noGrp="1"/>
+          </p:cNvSpPr>
+          <p:nvPr>
+            <p:ph type="title"/>
+          </p:nvPr>
+        </p:nvSpPr>
+        <p:spPr/>
+        <p:txBody>
+          <a:bodyPr/>
+          <a:lstStyle/>
+          <a:p>
+            <a:r>
+              <a:rPr lang="zh-CN" altLang="en-US" dirty="0"/>
+              <a:t>第十一次讨论会</a:t>
+            </a:r>
+          </a:p>
+        </p:txBody>
+      </p:sp>
+      <p:sp>
+        <p:nvSpPr>
+          <p:cNvPr id="3" name="内容占位符 2">
+            <a:extLst>
+              <a:ext uri="{FF2B5EF4-FFF2-40B4-BE49-F238E27FC236}">
+                <a16:creationId xmlns:a16="http://schemas.microsoft.com/office/drawing/2014/main" id="{FD98A9B8-821B-4AC9-A12E-FB7D0DCA736A}"/>
+              </a:ext>
+            </a:extLst>
+          </p:cNvPr>
+          <p:cNvSpPr>
+            <a:spLocks noGrp="1"/>
+          </p:cNvSpPr>
+          <p:nvPr>
+            <p:ph idx="1"/>
+          </p:nvPr>
+        </p:nvSpPr>
+        <p:spPr/>
+        <p:txBody>
+          <a:bodyPr/>
+          <a:lstStyle/>
+          <a:p>
+            <a:r>
+              <a:rPr lang="zh-CN" altLang="en-US" dirty="0"/>
+              <a:t>试验二 </a:t>
+            </a:r>
+            <a:r>
+              <a:rPr lang="en-US" altLang="zh-CN" dirty="0"/>
+              <a:t>——</a:t>
+            </a:r>
+            <a:r>
+              <a:rPr lang="en-US" altLang="zh-CN" dirty="0" err="1"/>
+              <a:t>proj_CIO</a:t>
+            </a:r>
+            <a:r>
+              <a:rPr lang="zh-CN" altLang="en-US" dirty="0"/>
+              <a:t>数据与带通滤波后的降水量数据作为输入</a:t>
+            </a:r>
+            <a:endParaRPr lang="en-US" altLang="zh-CN" dirty="0"/>
+          </a:p>
+          <a:p>
+            <a:pPr marL="0" indent="0">
+              <a:buNone/>
+            </a:pPr>
+            <a:r>
+              <a:rPr lang="zh-CN" altLang="en-US" sz="1600" dirty="0"/>
+              <a:t>最大值</a:t>
+            </a:r>
+            <a:r>
+              <a:rPr lang="en-US" altLang="zh-CN" sz="1600" dirty="0"/>
+              <a:t>——</a:t>
+            </a:r>
+            <a:r>
+              <a:rPr lang="zh-CN" altLang="zh-CN" sz="1600" dirty="0">
+                <a:solidFill>
+                  <a:srgbClr val="000000"/>
+                </a:solidFill>
+                <a:latin typeface="Courier New" panose="02070309020205020404" pitchFamily="49" charset="0"/>
+                <a:cs typeface="Courier New" panose="02070309020205020404" pitchFamily="49" charset="0"/>
+              </a:rPr>
+              <a:t>0.7431793660837418 </a:t>
+            </a:r>
+            <a:endParaRPr lang="en-US" altLang="zh-CN" sz="1600" dirty="0"/>
+          </a:p>
+          <a:p>
+            <a:pPr marL="0" indent="0">
+              <a:buNone/>
+            </a:pPr>
+            <a:r>
+              <a:rPr lang="zh-CN" altLang="en-US" sz="1600" dirty="0"/>
+              <a:t>最小值</a:t>
+            </a:r>
+            <a:r>
+              <a:rPr lang="en-US" altLang="zh-CN" sz="1600" dirty="0"/>
+              <a:t>—— -</a:t>
+            </a:r>
+            <a:r>
+              <a:rPr lang="zh-CN" altLang="zh-CN" sz="1600" dirty="0">
+                <a:solidFill>
+                  <a:srgbClr val="000000"/>
+                </a:solidFill>
+                <a:latin typeface="Courier New" panose="02070309020205020404" pitchFamily="49" charset="0"/>
+                <a:cs typeface="Courier New" panose="02070309020205020404" pitchFamily="49" charset="0"/>
+              </a:rPr>
+              <a:t>0.3256293158308732</a:t>
+            </a:r>
+            <a:endParaRPr lang="en-US" altLang="zh-CN" sz="1600" dirty="0">
+              <a:solidFill>
+                <a:srgbClr val="000000"/>
+              </a:solidFill>
+              <a:latin typeface="Courier New" panose="02070309020205020404" pitchFamily="49" charset="0"/>
+              <a:cs typeface="Courier New" panose="02070309020205020404" pitchFamily="49" charset="0"/>
+            </a:endParaRPr>
+          </a:p>
+          <a:p>
+            <a:pPr marL="0" indent="0">
+              <a:buNone/>
+            </a:pPr>
+            <a:r>
+              <a:rPr lang="zh-CN" altLang="en-US" sz="1600" dirty="0">
+                <a:solidFill>
+                  <a:srgbClr val="000000"/>
+                </a:solidFill>
+                <a:latin typeface="Courier New" panose="02070309020205020404" pitchFamily="49" charset="0"/>
+                <a:cs typeface="Courier New" panose="02070309020205020404" pitchFamily="49" charset="0"/>
+              </a:rPr>
+              <a:t>皮尔森系数大于</a:t>
+            </a:r>
+            <a:r>
+              <a:rPr lang="en-US" altLang="zh-CN" sz="1600" dirty="0">
+                <a:solidFill>
+                  <a:srgbClr val="000000"/>
+                </a:solidFill>
+                <a:latin typeface="Courier New" panose="02070309020205020404" pitchFamily="49" charset="0"/>
+                <a:cs typeface="Courier New" panose="02070309020205020404" pitchFamily="49" charset="0"/>
+              </a:rPr>
+              <a:t>0.6  5    0.5%</a:t>
+            </a:r>
+          </a:p>
+          <a:p>
+            <a:pPr marL="0" indent="0">
+              <a:buNone/>
+            </a:pPr>
+            <a:r>
+              <a:rPr lang="zh-CN" altLang="en-US" sz="1600" dirty="0">
+                <a:solidFill>
+                  <a:srgbClr val="000000"/>
+                </a:solidFill>
+                <a:latin typeface="Courier New" panose="02070309020205020404" pitchFamily="49" charset="0"/>
+                <a:cs typeface="Courier New" panose="02070309020205020404" pitchFamily="49" charset="0"/>
+              </a:rPr>
+              <a:t>皮尔森系数大于</a:t>
+            </a:r>
+            <a:r>
+              <a:rPr lang="en-US" altLang="zh-CN" sz="1600" dirty="0">
+                <a:solidFill>
+                  <a:srgbClr val="000000"/>
+                </a:solidFill>
+                <a:latin typeface="Courier New" panose="02070309020205020404" pitchFamily="49" charset="0"/>
+                <a:cs typeface="Courier New" panose="02070309020205020404" pitchFamily="49" charset="0"/>
+              </a:rPr>
+              <a:t>0.5  14   1.4%</a:t>
+            </a:r>
+          </a:p>
+          <a:p>
+            <a:pPr marL="0" indent="0">
+              <a:buNone/>
+            </a:pPr>
+            <a:r>
+              <a:rPr lang="zh-CN" altLang="en-US" sz="1600" dirty="0">
+                <a:solidFill>
+                  <a:srgbClr val="000000"/>
+                </a:solidFill>
+                <a:latin typeface="Courier New" panose="02070309020205020404" pitchFamily="49" charset="0"/>
+                <a:cs typeface="Courier New" panose="02070309020205020404" pitchFamily="49" charset="0"/>
+              </a:rPr>
+              <a:t>皮尔森系数大于</a:t>
+            </a:r>
+            <a:r>
+              <a:rPr lang="en-US" altLang="zh-CN" sz="1600" dirty="0">
+                <a:solidFill>
+                  <a:srgbClr val="000000"/>
+                </a:solidFill>
+                <a:latin typeface="Courier New" panose="02070309020205020404" pitchFamily="49" charset="0"/>
+                <a:cs typeface="Courier New" panose="02070309020205020404" pitchFamily="49" charset="0"/>
+              </a:rPr>
+              <a:t>0.4  62   6.6%</a:t>
+            </a:r>
+          </a:p>
+          <a:p>
+            <a:pPr marL="0" indent="0">
+              <a:buNone/>
+            </a:pPr>
+            <a:r>
+              <a:rPr lang="zh-CN" altLang="en-US" sz="1600" dirty="0">
+                <a:solidFill>
+                  <a:srgbClr val="000000"/>
+                </a:solidFill>
+                <a:latin typeface="Courier New" panose="02070309020205020404" pitchFamily="49" charset="0"/>
+                <a:cs typeface="Courier New" panose="02070309020205020404" pitchFamily="49" charset="0"/>
+              </a:rPr>
+              <a:t>皮尔森系数大于</a:t>
+            </a:r>
+            <a:r>
+              <a:rPr lang="en-US" altLang="zh-CN" sz="1600" dirty="0">
+                <a:solidFill>
+                  <a:srgbClr val="000000"/>
+                </a:solidFill>
+                <a:latin typeface="Courier New" panose="02070309020205020404" pitchFamily="49" charset="0"/>
+                <a:cs typeface="Courier New" panose="02070309020205020404" pitchFamily="49" charset="0"/>
+              </a:rPr>
+              <a:t>0.3  171  18.1%</a:t>
+            </a:r>
+            <a:endParaRPr lang="zh-CN" altLang="en-US" sz="1600" dirty="0"/>
+          </a:p>
+        </p:txBody>
+      </p:sp>
+      <p:sp>
+        <p:nvSpPr>
+          <p:cNvPr id="4" name="日期占位符 3">
+            <a:extLst>
+              <a:ext uri="{FF2B5EF4-FFF2-40B4-BE49-F238E27FC236}">
+                <a16:creationId xmlns:a16="http://schemas.microsoft.com/office/drawing/2014/main" id="{22A6FF79-9635-4653-BF7D-CDB3AB3DA93B}"/>
+              </a:ext>
+            </a:extLst>
+          </p:cNvPr>
+          <p:cNvSpPr>
+            <a:spLocks noGrp="1"/>
+          </p:cNvSpPr>
+          <p:nvPr>
+            <p:ph type="dt" sz="half" idx="10"/>
+          </p:nvPr>
+        </p:nvSpPr>
+        <p:spPr/>
+        <p:txBody>
+          <a:bodyPr/>
+          <a:lstStyle/>
+          <a:p>
+            <a:r>
+              <a:rPr lang="en-US" altLang="zh-CN" dirty="0"/>
+              <a:t>2021/1/6</a:t>
+            </a:r>
+            <a:endParaRPr lang="zh-CN" altLang="en-US" dirty="0"/>
+          </a:p>
+        </p:txBody>
+      </p:sp>
+      <p:sp>
+        <p:nvSpPr>
+          <p:cNvPr id="5" name="页脚占位符 4">
+            <a:extLst>
+              <a:ext uri="{FF2B5EF4-FFF2-40B4-BE49-F238E27FC236}">
+                <a16:creationId xmlns:a16="http://schemas.microsoft.com/office/drawing/2014/main" id="{7D724BE3-F38B-4749-A29B-8B05483B8C3F}"/>
+              </a:ext>
+            </a:extLst>
+          </p:cNvPr>
+          <p:cNvSpPr>
+            <a:spLocks noGrp="1"/>
+          </p:cNvSpPr>
+          <p:nvPr>
+            <p:ph type="ftr" sz="quarter" idx="11"/>
+          </p:nvPr>
+        </p:nvSpPr>
+        <p:spPr/>
+        <p:txBody>
+          <a:bodyPr/>
+          <a:lstStyle/>
+          <a:p>
+            <a:endParaRPr lang="zh-CN" altLang="en-US"/>
+          </a:p>
+        </p:txBody>
+      </p:sp>
+      <p:pic>
+        <p:nvPicPr>
+          <p:cNvPr id="6" name="图片 5">
+            <a:extLst>
+              <a:ext uri="{FF2B5EF4-FFF2-40B4-BE49-F238E27FC236}">
+                <a16:creationId xmlns:a16="http://schemas.microsoft.com/office/drawing/2014/main" id="{BB3A84CC-7EE1-4749-8A69-FC0272AEC03B}"/>
+              </a:ext>
+            </a:extLst>
+          </p:cNvPr>
+          <p:cNvPicPr>
+            <a:picLocks noChangeAspect="1"/>
+          </p:cNvPicPr>
+          <p:nvPr/>
+        </p:nvPicPr>
+        <p:blipFill>
+          <a:blip r:embed="rId2"/>
+          <a:stretch>
+            <a:fillRect/>
+          </a:stretch>
+        </p:blipFill>
+        <p:spPr>
+          <a:xfrm>
+            <a:off x="5053400" y="2447889"/>
+            <a:ext cx="6200000" cy="3438095"/>
+          </a:xfrm>
+          <a:prstGeom prst="rect">
+            <a:avLst/>
+          </a:prstGeom>
+        </p:spPr>
+      </p:pic>
+    </p:spTree>
+    <p:extLst>
+      <p:ext uri="{BB962C8B-B14F-4D97-AF65-F5344CB8AC3E}">
+        <p14:creationId xmlns:p14="http://schemas.microsoft.com/office/powerpoint/2010/main" val="36889664"/>
+      </p:ext>
+    </p:extLst>
+  </p:cSld>
+  <p:clrMapOvr>
+    <a:masterClrMapping/>
+  </p:clrMapOvr>
+</p:sld>
+</file>
+
+<file path=ppt/slides/slide26.xml><?xml version="1.0" encoding="utf-8"?>
+<p:sld xmlns:a="http://schemas.openxmlformats.org/drawingml/2006/main" xmlns:r="http://schemas.openxmlformats.org/officeDocument/2006/relationships" xmlns:p="http://schemas.openxmlformats.org/presentationml/2006/main">
+  <p:cSld>
+    <p:spTree>
+      <p:nvGrpSpPr>
+        <p:cNvPr id="1" name=""/>
+        <p:cNvGrpSpPr/>
+        <p:nvPr/>
+      </p:nvGrpSpPr>
+      <p:grpSpPr>
+        <a:xfrm>
+          <a:off x="0" y="0"/>
+          <a:ext cx="0" cy="0"/>
+          <a:chOff x="0" y="0"/>
+          <a:chExt cx="0" cy="0"/>
+        </a:xfrm>
+      </p:grpSpPr>
+      <p:sp>
+        <p:nvSpPr>
+          <p:cNvPr id="2" name="标题 1">
+            <a:extLst>
+              <a:ext uri="{FF2B5EF4-FFF2-40B4-BE49-F238E27FC236}">
+                <a16:creationId xmlns:a16="http://schemas.microsoft.com/office/drawing/2014/main" id="{09C3E563-01DD-4A2D-82CF-74D4B8C86445}"/>
+              </a:ext>
+            </a:extLst>
+          </p:cNvPr>
+          <p:cNvSpPr>
+            <a:spLocks noGrp="1"/>
+          </p:cNvSpPr>
+          <p:nvPr>
+            <p:ph type="title"/>
+          </p:nvPr>
+        </p:nvSpPr>
+        <p:spPr/>
+        <p:txBody>
+          <a:bodyPr/>
+          <a:lstStyle/>
+          <a:p>
+            <a:r>
+              <a:rPr lang="zh-CN" altLang="en-US" dirty="0"/>
+              <a:t>第十一次讨论会</a:t>
+            </a:r>
+          </a:p>
+        </p:txBody>
+      </p:sp>
+      <p:sp>
+        <p:nvSpPr>
+          <p:cNvPr id="3" name="内容占位符 2">
+            <a:extLst>
+              <a:ext uri="{FF2B5EF4-FFF2-40B4-BE49-F238E27FC236}">
+                <a16:creationId xmlns:a16="http://schemas.microsoft.com/office/drawing/2014/main" id="{FD98A9B8-821B-4AC9-A12E-FB7D0DCA736A}"/>
+              </a:ext>
+            </a:extLst>
+          </p:cNvPr>
+          <p:cNvSpPr>
+            <a:spLocks noGrp="1"/>
+          </p:cNvSpPr>
+          <p:nvPr>
+            <p:ph idx="1"/>
+          </p:nvPr>
+        </p:nvSpPr>
+        <p:spPr/>
+        <p:txBody>
+          <a:bodyPr/>
+          <a:lstStyle/>
+          <a:p>
+            <a:r>
+              <a:rPr lang="zh-CN" altLang="en-US" dirty="0"/>
+              <a:t>试验二 </a:t>
+            </a:r>
+            <a:r>
+              <a:rPr lang="en-US" altLang="zh-CN" dirty="0"/>
+              <a:t>——</a:t>
+            </a:r>
+            <a:r>
+              <a:rPr lang="en-US" altLang="zh-CN" dirty="0" err="1"/>
+              <a:t>proj_CIO</a:t>
+            </a:r>
+            <a:r>
+              <a:rPr lang="zh-CN" altLang="en-US" dirty="0"/>
+              <a:t>数据与带通滤波后的降水量数据作为输入</a:t>
+            </a:r>
+            <a:endParaRPr lang="en-US" altLang="zh-CN" dirty="0"/>
+          </a:p>
+          <a:p>
+            <a:pPr marL="0" indent="0">
+              <a:buNone/>
+            </a:pPr>
+            <a:r>
+              <a:rPr lang="zh-CN" altLang="en-US" dirty="0">
+                <a:latin typeface="+mn-ea"/>
+              </a:rPr>
+              <a:t>更改后的模型</a:t>
+            </a:r>
+            <a:endParaRPr lang="en-US" altLang="zh-CN" dirty="0">
+              <a:latin typeface="+mn-ea"/>
+            </a:endParaRPr>
+          </a:p>
+          <a:p>
+            <a:pPr marL="0" lvl="0" indent="0" eaLnBrk="0" fontAlgn="base" hangingPunct="0">
+              <a:lnSpc>
+                <a:spcPct val="100000"/>
+              </a:lnSpc>
+              <a:spcBef>
+                <a:spcPct val="0"/>
+              </a:spcBef>
+              <a:spcAft>
+                <a:spcPct val="0"/>
+              </a:spcAft>
+              <a:buNone/>
+            </a:pPr>
+            <a:r>
+              <a:rPr lang="zh-CN" altLang="zh-CN" sz="2400" dirty="0">
+                <a:solidFill>
+                  <a:srgbClr val="000000"/>
+                </a:solidFill>
+                <a:latin typeface="+mn-ea"/>
+              </a:rPr>
+              <a:t>最大值： 0.6977332853612711 </a:t>
+            </a:r>
+            <a:endParaRPr lang="en-US" altLang="zh-CN" sz="2400" dirty="0">
+              <a:solidFill>
+                <a:srgbClr val="000000"/>
+              </a:solidFill>
+              <a:latin typeface="+mn-ea"/>
+            </a:endParaRPr>
+          </a:p>
+          <a:p>
+            <a:pPr marL="0" lvl="0" indent="0" eaLnBrk="0" fontAlgn="base" hangingPunct="0">
+              <a:lnSpc>
+                <a:spcPct val="100000"/>
+              </a:lnSpc>
+              <a:spcBef>
+                <a:spcPct val="0"/>
+              </a:spcBef>
+              <a:spcAft>
+                <a:spcPct val="0"/>
+              </a:spcAft>
+              <a:buNone/>
+            </a:pPr>
+            <a:r>
+              <a:rPr lang="zh-CN" altLang="zh-CN" sz="2400" dirty="0">
+                <a:solidFill>
+                  <a:srgbClr val="000000"/>
+                </a:solidFill>
+                <a:latin typeface="+mn-ea"/>
+              </a:rPr>
+              <a:t>最小值： -0.22286163874439935 </a:t>
+            </a:r>
+            <a:endParaRPr lang="en-US" altLang="zh-CN" sz="2400" dirty="0">
+              <a:solidFill>
+                <a:srgbClr val="000000"/>
+              </a:solidFill>
+              <a:latin typeface="+mn-ea"/>
+            </a:endParaRPr>
+          </a:p>
+          <a:p>
+            <a:pPr marL="0" lvl="0" indent="0" eaLnBrk="0" fontAlgn="base" hangingPunct="0">
+              <a:lnSpc>
+                <a:spcPct val="100000"/>
+              </a:lnSpc>
+              <a:spcBef>
+                <a:spcPct val="0"/>
+              </a:spcBef>
+              <a:spcAft>
+                <a:spcPct val="0"/>
+              </a:spcAft>
+              <a:buNone/>
+            </a:pPr>
+            <a:r>
+              <a:rPr lang="zh-CN" altLang="zh-CN" sz="2400" dirty="0">
+                <a:solidFill>
+                  <a:srgbClr val="000000"/>
+                </a:solidFill>
+                <a:latin typeface="+mn-ea"/>
+              </a:rPr>
+              <a:t>皮尔森系数大于0.6的： 17 </a:t>
+            </a:r>
+            <a:endParaRPr lang="en-US" altLang="zh-CN" sz="2400" dirty="0">
+              <a:solidFill>
+                <a:srgbClr val="000000"/>
+              </a:solidFill>
+              <a:latin typeface="+mn-ea"/>
+            </a:endParaRPr>
+          </a:p>
+          <a:p>
+            <a:pPr marL="0" lvl="0" indent="0" eaLnBrk="0" fontAlgn="base" hangingPunct="0">
+              <a:lnSpc>
+                <a:spcPct val="100000"/>
+              </a:lnSpc>
+              <a:spcBef>
+                <a:spcPct val="0"/>
+              </a:spcBef>
+              <a:spcAft>
+                <a:spcPct val="0"/>
+              </a:spcAft>
+              <a:buNone/>
+            </a:pPr>
+            <a:r>
+              <a:rPr lang="zh-CN" altLang="zh-CN" sz="2400" dirty="0">
+                <a:solidFill>
+                  <a:srgbClr val="000000"/>
+                </a:solidFill>
+                <a:latin typeface="+mn-ea"/>
+              </a:rPr>
+              <a:t>皮尔森系数大于0.5的： 57 </a:t>
+            </a:r>
+            <a:endParaRPr lang="en-US" altLang="zh-CN" sz="2400" dirty="0">
+              <a:solidFill>
+                <a:srgbClr val="000000"/>
+              </a:solidFill>
+              <a:latin typeface="+mn-ea"/>
+            </a:endParaRPr>
+          </a:p>
+          <a:p>
+            <a:pPr marL="0" lvl="0" indent="0" eaLnBrk="0" fontAlgn="base" hangingPunct="0">
+              <a:lnSpc>
+                <a:spcPct val="100000"/>
+              </a:lnSpc>
+              <a:spcBef>
+                <a:spcPct val="0"/>
+              </a:spcBef>
+              <a:spcAft>
+                <a:spcPct val="0"/>
+              </a:spcAft>
+              <a:buNone/>
+            </a:pPr>
+            <a:r>
+              <a:rPr lang="zh-CN" altLang="zh-CN" sz="2400" dirty="0">
+                <a:solidFill>
+                  <a:srgbClr val="000000"/>
+                </a:solidFill>
+                <a:latin typeface="+mn-ea"/>
+              </a:rPr>
+              <a:t>皮尔森系数大于0.4的： 134 </a:t>
+            </a:r>
+            <a:endParaRPr lang="en-US" altLang="zh-CN" sz="2400" dirty="0">
+              <a:solidFill>
+                <a:srgbClr val="000000"/>
+              </a:solidFill>
+              <a:latin typeface="+mn-ea"/>
+            </a:endParaRPr>
+          </a:p>
+          <a:p>
+            <a:pPr marL="0" lvl="0" indent="0" eaLnBrk="0" fontAlgn="base" hangingPunct="0">
+              <a:lnSpc>
+                <a:spcPct val="100000"/>
+              </a:lnSpc>
+              <a:spcBef>
+                <a:spcPct val="0"/>
+              </a:spcBef>
+              <a:spcAft>
+                <a:spcPct val="0"/>
+              </a:spcAft>
+              <a:buNone/>
+            </a:pPr>
+            <a:r>
+              <a:rPr lang="zh-CN" altLang="zh-CN" sz="2400" dirty="0">
+                <a:solidFill>
+                  <a:srgbClr val="000000"/>
+                </a:solidFill>
+                <a:latin typeface="+mn-ea"/>
+              </a:rPr>
+              <a:t>皮尔森系数大于0.3的： 276</a:t>
+            </a:r>
+            <a:r>
+              <a:rPr lang="zh-CN" altLang="zh-CN" sz="2400" dirty="0">
+                <a:latin typeface="+mn-ea"/>
+              </a:rPr>
+              <a:t> </a:t>
+            </a:r>
+          </a:p>
+          <a:p>
+            <a:pPr marL="0" indent="0">
+              <a:buNone/>
+            </a:pPr>
+            <a:endParaRPr lang="zh-CN" altLang="en-US" sz="1600" dirty="0"/>
+          </a:p>
+        </p:txBody>
+      </p:sp>
+      <p:sp>
+        <p:nvSpPr>
+          <p:cNvPr id="4" name="日期占位符 3">
+            <a:extLst>
+              <a:ext uri="{FF2B5EF4-FFF2-40B4-BE49-F238E27FC236}">
+                <a16:creationId xmlns:a16="http://schemas.microsoft.com/office/drawing/2014/main" id="{22A6FF79-9635-4653-BF7D-CDB3AB3DA93B}"/>
+              </a:ext>
+            </a:extLst>
+          </p:cNvPr>
+          <p:cNvSpPr>
+            <a:spLocks noGrp="1"/>
+          </p:cNvSpPr>
+          <p:nvPr>
+            <p:ph type="dt" sz="half" idx="10"/>
+          </p:nvPr>
+        </p:nvSpPr>
+        <p:spPr/>
+        <p:txBody>
+          <a:bodyPr/>
+          <a:lstStyle/>
+          <a:p>
+            <a:r>
+              <a:rPr lang="en-US" altLang="zh-CN" dirty="0"/>
+              <a:t>2021/1/6</a:t>
+            </a:r>
+            <a:endParaRPr lang="zh-CN" altLang="en-US" dirty="0"/>
+          </a:p>
+        </p:txBody>
+      </p:sp>
+      <p:sp>
+        <p:nvSpPr>
+          <p:cNvPr id="5" name="页脚占位符 4">
+            <a:extLst>
+              <a:ext uri="{FF2B5EF4-FFF2-40B4-BE49-F238E27FC236}">
+                <a16:creationId xmlns:a16="http://schemas.microsoft.com/office/drawing/2014/main" id="{7D724BE3-F38B-4749-A29B-8B05483B8C3F}"/>
+              </a:ext>
+            </a:extLst>
+          </p:cNvPr>
+          <p:cNvSpPr>
+            <a:spLocks noGrp="1"/>
+          </p:cNvSpPr>
+          <p:nvPr>
+            <p:ph type="ftr" sz="quarter" idx="11"/>
+          </p:nvPr>
+        </p:nvSpPr>
+        <p:spPr/>
+        <p:txBody>
+          <a:bodyPr/>
+          <a:lstStyle/>
+          <a:p>
+            <a:endParaRPr lang="zh-CN" altLang="en-US"/>
+          </a:p>
+        </p:txBody>
+      </p:sp>
+      <p:sp>
+        <p:nvSpPr>
+          <p:cNvPr id="7" name="Rectangle 1">
+            <a:extLst>
+              <a:ext uri="{FF2B5EF4-FFF2-40B4-BE49-F238E27FC236}">
+                <a16:creationId xmlns:a16="http://schemas.microsoft.com/office/drawing/2014/main" id="{39406E70-ECC6-4A66-825C-5A57DD8D4588}"/>
+              </a:ext>
+            </a:extLst>
+          </p:cNvPr>
+          <p:cNvSpPr>
+            <a:spLocks noChangeArrowheads="1"/>
+          </p:cNvSpPr>
+          <p:nvPr/>
+        </p:nvSpPr>
+        <p:spPr bwMode="auto">
+          <a:xfrm>
+            <a:off x="0" y="0"/>
+            <a:ext cx="12192000" cy="457200"/>
+          </a:xfrm>
+          <a:prstGeom prst="rect">
+            <a:avLst/>
+          </a:prstGeom>
+          <a:solidFill>
+            <a:srgbClr val="FFFFFF"/>
+          </a:solidFill>
+          <a:ln>
+            <a:noFill/>
+          </a:ln>
+          <a:effectLst/>
+          <a:extLst>
+            <a:ext uri="{91240B29-F687-4F45-9708-019B960494DF}">
+              <a14:hiddenLine xmlns:a14="http://schemas.microsoft.com/office/drawing/2010/main" w="9525">
+                <a:solidFill>
+                  <a:schemeClr val="tx1"/>
+                </a:solidFill>
+                <a:miter lim="800000"/>
+                <a:headEnd/>
+                <a:tailEnd/>
+              </a14:hiddenLine>
+            </a:ext>
+            <a:ext uri="{AF507438-7753-43E0-B8FC-AC1667EBCBE1}">
+              <a14:hiddenEffects xmlns:a14="http://schemas.microsoft.com/office/drawing/2010/main">
+                <a:effectLst>
+                  <a:outerShdw dist="35921" dir="2700000" algn="ctr" rotWithShape="0">
+                    <a:schemeClr val="bg2"/>
+                  </a:outerShdw>
+                </a:effectLst>
+              </a14:hiddenEffects>
+            </a:ext>
+          </a:extLst>
+        </p:spPr>
+        <p:txBody>
+          <a:bodyPr vert="horz" wrap="none" lIns="0" tIns="0" rIns="0" bIns="0" numCol="1" anchor="ctr" anchorCtr="0" compatLnSpc="1">
+            <a:prstTxWarp prst="textNoShape">
+              <a:avLst/>
+            </a:prstTxWarp>
+            <a:spAutoFit/>
+          </a:bodyPr>
+          <a:lstStyle/>
+          <a:p>
+            <a:pPr marL="0" marR="0" lvl="0" indent="0" algn="l" defTabSz="914400" rtl="0" eaLnBrk="0" fontAlgn="base" latinLnBrk="0" hangingPunct="0">
+              <a:lnSpc>
+                <a:spcPct val="100000"/>
+              </a:lnSpc>
+              <a:spcBef>
+                <a:spcPct val="0"/>
+              </a:spcBef>
+              <a:spcAft>
+                <a:spcPct val="0"/>
+              </a:spcAft>
+              <a:buClrTx/>
+              <a:buSzTx/>
+              <a:buFontTx/>
+              <a:buNone/>
+              <a:tabLst/>
+            </a:pPr>
+            <a:r>
+              <a:rPr kumimoji="0" lang="zh-CN" altLang="zh-CN" sz="1000" b="0" i="0" u="none" strike="noStrike" cap="none" normalizeH="0" baseline="0" dirty="0">
+                <a:ln>
+                  <a:noFill/>
+                </a:ln>
+                <a:solidFill>
+                  <a:srgbClr val="000000"/>
+                </a:solidFill>
+                <a:effectLst/>
+                <a:latin typeface="Arial Unicode MS"/>
+                <a:ea typeface="Courier New" panose="02070309020205020404" pitchFamily="49" charset="0"/>
+              </a:rPr>
+              <a:t>计算出来的最大值： 0.6977332853612711 计算出来的最小值： -0.22286163874439935 皮尔森系数大于0.6的： 17 皮尔森系数大于0.5的： 57 皮尔森系数大于0.4的： 134 皮尔森系数大于0.3的： 276</a:t>
+            </a:r>
+            <a:r>
+              <a:rPr kumimoji="0" lang="zh-CN" altLang="zh-CN" sz="800" b="0" i="0" u="none" strike="noStrike" cap="none" normalizeH="0" baseline="0" dirty="0">
+                <a:ln>
+                  <a:noFill/>
+                </a:ln>
+                <a:solidFill>
+                  <a:schemeClr val="tx1"/>
+                </a:solidFill>
+                <a:effectLst/>
+              </a:rPr>
+              <a:t> </a:t>
+            </a:r>
+            <a:endParaRPr kumimoji="0" lang="zh-CN" altLang="zh-CN" sz="1800" b="0" i="0" u="none" strike="noStrike" cap="none" normalizeH="0" baseline="0" dirty="0">
+              <a:ln>
+                <a:noFill/>
+              </a:ln>
+              <a:solidFill>
+                <a:schemeClr val="tx1"/>
+              </a:solidFill>
+              <a:effectLst/>
+              <a:latin typeface="Arial" panose="020B0604020202020204" pitchFamily="34" charset="0"/>
+            </a:endParaRPr>
+          </a:p>
+        </p:txBody>
+      </p:sp>
+    </p:spTree>
+    <p:extLst>
+      <p:ext uri="{BB962C8B-B14F-4D97-AF65-F5344CB8AC3E}">
+        <p14:creationId xmlns:p14="http://schemas.microsoft.com/office/powerpoint/2010/main" val="4157753956"/>
+      </p:ext>
+    </p:extLst>
+  </p:cSld>
+  <p:clrMapOvr>
+    <a:masterClrMapping/>
+  </p:clrMapOvr>
+</p:sld>
+</file>
+
+<file path=ppt/slides/slide27.xml><?xml version="1.0" encoding="utf-8"?>
+<p:sld xmlns:a="http://schemas.openxmlformats.org/drawingml/2006/main" xmlns:r="http://schemas.openxmlformats.org/officeDocument/2006/relationships" xmlns:p="http://schemas.openxmlformats.org/presentationml/2006/main">
+  <p:cSld>
+    <p:spTree>
+      <p:nvGrpSpPr>
+        <p:cNvPr id="1" name=""/>
+        <p:cNvGrpSpPr/>
+        <p:nvPr/>
+      </p:nvGrpSpPr>
+      <p:grpSpPr>
+        <a:xfrm>
+          <a:off x="0" y="0"/>
+          <a:ext cx="0" cy="0"/>
+          <a:chOff x="0" y="0"/>
+          <a:chExt cx="0" cy="0"/>
+        </a:xfrm>
+      </p:grpSpPr>
+      <p:sp>
+        <p:nvSpPr>
+          <p:cNvPr id="2" name="标题 1">
+            <a:extLst>
+              <a:ext uri="{FF2B5EF4-FFF2-40B4-BE49-F238E27FC236}">
+                <a16:creationId xmlns:a16="http://schemas.microsoft.com/office/drawing/2014/main" id="{230F75DB-3714-4DE4-A7A6-BA52B2ECE549}"/>
+              </a:ext>
+            </a:extLst>
+          </p:cNvPr>
+          <p:cNvSpPr>
+            <a:spLocks noGrp="1"/>
+          </p:cNvSpPr>
+          <p:nvPr>
+            <p:ph type="title"/>
+          </p:nvPr>
+        </p:nvSpPr>
+        <p:spPr/>
+        <p:txBody>
+          <a:bodyPr/>
+          <a:lstStyle/>
+          <a:p>
+            <a:r>
+              <a:rPr lang="zh-CN" altLang="en-US" dirty="0"/>
+              <a:t>第十二次讨论会</a:t>
+            </a:r>
+            <a:r>
+              <a:rPr lang="en-US" altLang="zh-CN" dirty="0"/>
+              <a:t>—</a:t>
+            </a:r>
+            <a:r>
+              <a:rPr lang="zh-CN" altLang="en-US" sz="1400" dirty="0"/>
+              <a:t>线上联合讨论会</a:t>
+            </a:r>
+            <a:endParaRPr lang="zh-CN" altLang="en-US" dirty="0"/>
+          </a:p>
+        </p:txBody>
+      </p:sp>
+      <p:sp>
+        <p:nvSpPr>
+          <p:cNvPr id="3" name="内容占位符 2">
+            <a:extLst>
+              <a:ext uri="{FF2B5EF4-FFF2-40B4-BE49-F238E27FC236}">
+                <a16:creationId xmlns:a16="http://schemas.microsoft.com/office/drawing/2014/main" id="{3FDEB298-0924-450F-AE44-CA09CAE0F8DD}"/>
+              </a:ext>
+            </a:extLst>
+          </p:cNvPr>
+          <p:cNvSpPr>
+            <a:spLocks noGrp="1"/>
+          </p:cNvSpPr>
+          <p:nvPr>
+            <p:ph idx="1"/>
+          </p:nvPr>
+        </p:nvSpPr>
+        <p:spPr/>
+        <p:txBody>
+          <a:bodyPr>
+            <a:normAutofit/>
+          </a:bodyPr>
+          <a:lstStyle/>
+          <a:p>
+            <a:r>
+              <a:rPr lang="zh-CN" altLang="en-US" dirty="0"/>
+              <a:t>总结</a:t>
+            </a:r>
+            <a:endParaRPr lang="en-US" altLang="zh-CN" dirty="0"/>
+          </a:p>
+          <a:p>
+            <a:r>
+              <a:rPr lang="en-US" altLang="zh-CN" sz="2400" dirty="0"/>
+              <a:t>1</a:t>
+            </a:r>
+            <a:r>
+              <a:rPr lang="zh-CN" altLang="en-US" sz="2400" dirty="0"/>
+              <a:t>、实验效果很好，但是一些地方需要改进，进行标准化</a:t>
+            </a:r>
+            <a:endParaRPr lang="en-US" altLang="zh-CN" sz="2400" dirty="0"/>
+          </a:p>
+          <a:p>
+            <a:r>
+              <a:rPr lang="en-US" altLang="zh-CN" sz="2400" dirty="0"/>
+              <a:t>2</a:t>
+            </a:r>
+            <a:r>
+              <a:rPr lang="zh-CN" altLang="en-US" sz="2400" dirty="0"/>
+              <a:t>、讲解</a:t>
+            </a:r>
+            <a:r>
+              <a:rPr lang="en-US" altLang="zh-CN" sz="2400" dirty="0"/>
+              <a:t>LSTM</a:t>
+            </a:r>
+          </a:p>
+          <a:p>
+            <a:r>
+              <a:rPr lang="en-US" altLang="zh-CN" sz="2400" dirty="0"/>
+              <a:t>3</a:t>
+            </a:r>
+            <a:r>
+              <a:rPr lang="zh-CN" altLang="en-US" sz="2400" dirty="0"/>
+              <a:t>、写文稿</a:t>
+            </a:r>
+            <a:endParaRPr lang="en-US" altLang="zh-CN" sz="2400" dirty="0"/>
+          </a:p>
+          <a:p>
+            <a:r>
+              <a:rPr lang="en-US" altLang="zh-CN" sz="2400" dirty="0"/>
+              <a:t>4</a:t>
+            </a:r>
+            <a:r>
+              <a:rPr lang="zh-CN" altLang="en-US" sz="2400" dirty="0"/>
+              <a:t>、模型创新（好像不用做）</a:t>
+            </a:r>
+            <a:endParaRPr lang="en-US" altLang="zh-CN" sz="2400" dirty="0"/>
+          </a:p>
+          <a:p>
+            <a:r>
+              <a:rPr lang="zh-CN" altLang="en-US" dirty="0"/>
+              <a:t>工作</a:t>
+            </a:r>
+            <a:endParaRPr lang="en-US" altLang="zh-CN" dirty="0"/>
+          </a:p>
+          <a:p>
+            <a:r>
+              <a:rPr lang="en-US" altLang="zh-CN" sz="2400" dirty="0"/>
+              <a:t>1</a:t>
+            </a:r>
+            <a:r>
+              <a:rPr lang="zh-CN" altLang="en-US" sz="2400" dirty="0"/>
+              <a:t>、画图（区域</a:t>
+            </a:r>
+            <a:r>
+              <a:rPr lang="en-US" altLang="zh-CN" sz="2400" dirty="0"/>
+              <a:t>E40-E160,S10-N30</a:t>
+            </a:r>
+            <a:r>
+              <a:rPr lang="zh-CN" altLang="en-US" sz="2400" dirty="0"/>
+              <a:t>，时间</a:t>
+            </a:r>
+            <a:r>
+              <a:rPr lang="en-US" altLang="zh-CN" sz="2400" dirty="0"/>
+              <a:t>20</a:t>
+            </a:r>
+            <a:r>
+              <a:rPr lang="zh-CN" altLang="en-US" sz="2400" dirty="0"/>
+              <a:t>天后的，皮尔森系数使用</a:t>
+            </a:r>
+            <a:r>
+              <a:rPr lang="en-US" altLang="zh-CN" sz="2400" dirty="0"/>
+              <a:t>1</a:t>
+            </a:r>
+            <a:r>
+              <a:rPr lang="zh-CN" altLang="en-US" sz="2400" dirty="0"/>
+              <a:t>年的来计算）。</a:t>
+            </a:r>
+            <a:endParaRPr lang="en-US" altLang="zh-CN" sz="2400" dirty="0"/>
+          </a:p>
+          <a:p>
+            <a:r>
+              <a:rPr lang="en-US" altLang="zh-CN" sz="2400" dirty="0"/>
+              <a:t>2</a:t>
+            </a:r>
+            <a:r>
+              <a:rPr lang="zh-CN" altLang="en-US" sz="2400" dirty="0"/>
+              <a:t>、写文稿（这个不太懂）</a:t>
+            </a:r>
+          </a:p>
+        </p:txBody>
+      </p:sp>
+      <p:sp>
+        <p:nvSpPr>
+          <p:cNvPr id="4" name="日期占位符 3">
+            <a:extLst>
+              <a:ext uri="{FF2B5EF4-FFF2-40B4-BE49-F238E27FC236}">
+                <a16:creationId xmlns:a16="http://schemas.microsoft.com/office/drawing/2014/main" id="{641D3C99-1BAA-42BE-8C11-247707A813A3}"/>
+              </a:ext>
+            </a:extLst>
+          </p:cNvPr>
+          <p:cNvSpPr>
+            <a:spLocks noGrp="1"/>
+          </p:cNvSpPr>
+          <p:nvPr>
+            <p:ph type="dt" sz="half" idx="10"/>
+          </p:nvPr>
+        </p:nvSpPr>
+        <p:spPr/>
+        <p:txBody>
+          <a:bodyPr/>
+          <a:lstStyle/>
+          <a:p>
+            <a:r>
+              <a:rPr lang="en-US" altLang="zh-CN" dirty="0"/>
+              <a:t>2021/1/10</a:t>
+            </a:r>
+            <a:endParaRPr lang="zh-CN" altLang="en-US" dirty="0"/>
+          </a:p>
+        </p:txBody>
+      </p:sp>
+      <p:sp>
+        <p:nvSpPr>
+          <p:cNvPr id="5" name="页脚占位符 4">
+            <a:extLst>
+              <a:ext uri="{FF2B5EF4-FFF2-40B4-BE49-F238E27FC236}">
+                <a16:creationId xmlns:a16="http://schemas.microsoft.com/office/drawing/2014/main" id="{A27195E0-84F0-4784-9D8C-BC0983A5BE7C}"/>
+              </a:ext>
+            </a:extLst>
+          </p:cNvPr>
+          <p:cNvSpPr>
+            <a:spLocks noGrp="1"/>
+          </p:cNvSpPr>
+          <p:nvPr>
+            <p:ph type="ftr" sz="quarter" idx="11"/>
+          </p:nvPr>
+        </p:nvSpPr>
+        <p:spPr/>
+        <p:txBody>
+          <a:bodyPr/>
+          <a:lstStyle/>
+          <a:p>
+            <a:endParaRPr lang="zh-CN" altLang="en-US"/>
+          </a:p>
+        </p:txBody>
+      </p:sp>
+    </p:spTree>
+    <p:extLst>
+      <p:ext uri="{BB962C8B-B14F-4D97-AF65-F5344CB8AC3E}">
+        <p14:creationId xmlns:p14="http://schemas.microsoft.com/office/powerpoint/2010/main" val="129477414"/>
+      </p:ext>
+    </p:extLst>
+  </p:cSld>
+  <p:clrMapOvr>
+    <a:masterClrMapping/>
+  </p:clrMapOvr>
+</p:sld>
+</file>
+
+<file path=ppt/slides/slide28.xml><?xml version="1.0" encoding="utf-8"?>
+<p:sld xmlns:a="http://schemas.openxmlformats.org/drawingml/2006/main" xmlns:r="http://schemas.openxmlformats.org/officeDocument/2006/relationships" xmlns:p="http://schemas.openxmlformats.org/presentationml/2006/main">
+  <p:cSld>
+    <p:spTree>
+      <p:nvGrpSpPr>
+        <p:cNvPr id="1" name=""/>
+        <p:cNvGrpSpPr/>
+        <p:nvPr/>
+      </p:nvGrpSpPr>
+      <p:grpSpPr>
+        <a:xfrm>
+          <a:off x="0" y="0"/>
+          <a:ext cx="0" cy="0"/>
+          <a:chOff x="0" y="0"/>
+          <a:chExt cx="0" cy="0"/>
+        </a:xfrm>
+      </p:grpSpPr>
+      <p:sp>
+        <p:nvSpPr>
+          <p:cNvPr id="2" name="标题 1">
+            <a:extLst>
+              <a:ext uri="{FF2B5EF4-FFF2-40B4-BE49-F238E27FC236}">
+                <a16:creationId xmlns:a16="http://schemas.microsoft.com/office/drawing/2014/main" id="{230F75DB-3714-4DE4-A7A6-BA52B2ECE549}"/>
+              </a:ext>
+            </a:extLst>
+          </p:cNvPr>
+          <p:cNvSpPr>
+            <a:spLocks noGrp="1"/>
+          </p:cNvSpPr>
+          <p:nvPr>
+            <p:ph type="title"/>
+          </p:nvPr>
+        </p:nvSpPr>
+        <p:spPr/>
+        <p:txBody>
+          <a:bodyPr/>
+          <a:lstStyle/>
+          <a:p>
+            <a:r>
+              <a:rPr lang="zh-CN" altLang="en-US" dirty="0"/>
+              <a:t>第十二次讨论会</a:t>
+            </a:r>
+            <a:r>
+              <a:rPr lang="en-US" altLang="zh-CN" dirty="0"/>
+              <a:t>—</a:t>
+            </a:r>
+            <a:r>
+              <a:rPr lang="zh-CN" altLang="en-US" sz="1400" dirty="0"/>
+              <a:t>线上联合讨论会</a:t>
+            </a:r>
+            <a:endParaRPr lang="zh-CN" altLang="en-US" dirty="0"/>
+          </a:p>
+        </p:txBody>
+      </p:sp>
+      <p:sp>
+        <p:nvSpPr>
+          <p:cNvPr id="3" name="内容占位符 2">
+            <a:extLst>
+              <a:ext uri="{FF2B5EF4-FFF2-40B4-BE49-F238E27FC236}">
+                <a16:creationId xmlns:a16="http://schemas.microsoft.com/office/drawing/2014/main" id="{3FDEB298-0924-450F-AE44-CA09CAE0F8DD}"/>
+              </a:ext>
+            </a:extLst>
+          </p:cNvPr>
+          <p:cNvSpPr>
+            <a:spLocks noGrp="1"/>
+          </p:cNvSpPr>
+          <p:nvPr>
+            <p:ph idx="1"/>
+          </p:nvPr>
+        </p:nvSpPr>
+        <p:spPr/>
+        <p:txBody>
+          <a:bodyPr>
+            <a:normAutofit/>
+          </a:bodyPr>
+          <a:lstStyle/>
+          <a:p>
+            <a:r>
+              <a:rPr lang="zh-CN" altLang="en-US" dirty="0"/>
+              <a:t>不足</a:t>
+            </a:r>
+            <a:endParaRPr lang="en-US" altLang="zh-CN" dirty="0"/>
+          </a:p>
+          <a:p>
+            <a:r>
+              <a:rPr lang="en-US" altLang="zh-CN" sz="2400" dirty="0"/>
+              <a:t>1</a:t>
+            </a:r>
+            <a:r>
+              <a:rPr lang="zh-CN" altLang="en-US" sz="2400" dirty="0"/>
+              <a:t>、区域需要调整</a:t>
+            </a:r>
+            <a:endParaRPr lang="en-US" altLang="zh-CN" sz="2400" dirty="0"/>
+          </a:p>
+          <a:p>
+            <a:r>
+              <a:rPr lang="en-US" altLang="zh-CN" sz="2400" dirty="0"/>
+              <a:t>2</a:t>
+            </a:r>
+            <a:r>
+              <a:rPr lang="zh-CN" altLang="en-US" sz="2400" dirty="0"/>
+              <a:t>、周老师还是比较关心</a:t>
+            </a:r>
+            <a:r>
+              <a:rPr lang="en-US" altLang="zh-CN" sz="2400" dirty="0"/>
+              <a:t>20</a:t>
+            </a:r>
+            <a:r>
+              <a:rPr lang="zh-CN" altLang="en-US" sz="2400" dirty="0"/>
+              <a:t>天的情况</a:t>
+            </a:r>
+            <a:endParaRPr lang="en-US" altLang="zh-CN" sz="2400" dirty="0"/>
+          </a:p>
+          <a:p>
+            <a:r>
+              <a:rPr lang="en-US" altLang="zh-CN" sz="2400" dirty="0"/>
+              <a:t>3</a:t>
+            </a:r>
+            <a:r>
+              <a:rPr lang="zh-CN" altLang="en-US" sz="2400" dirty="0"/>
+              <a:t>、计算皮尔森系数调成一年的数据</a:t>
+            </a:r>
+            <a:endParaRPr lang="en-US" altLang="zh-CN" sz="2400" dirty="0"/>
+          </a:p>
+        </p:txBody>
+      </p:sp>
+      <p:sp>
+        <p:nvSpPr>
+          <p:cNvPr id="4" name="日期占位符 3">
+            <a:extLst>
+              <a:ext uri="{FF2B5EF4-FFF2-40B4-BE49-F238E27FC236}">
+                <a16:creationId xmlns:a16="http://schemas.microsoft.com/office/drawing/2014/main" id="{641D3C99-1BAA-42BE-8C11-247707A813A3}"/>
+              </a:ext>
+            </a:extLst>
+          </p:cNvPr>
+          <p:cNvSpPr>
+            <a:spLocks noGrp="1"/>
+          </p:cNvSpPr>
+          <p:nvPr>
+            <p:ph type="dt" sz="half" idx="10"/>
+          </p:nvPr>
+        </p:nvSpPr>
+        <p:spPr/>
+        <p:txBody>
+          <a:bodyPr/>
+          <a:lstStyle/>
+          <a:p>
+            <a:r>
+              <a:rPr lang="en-US" altLang="zh-CN" dirty="0"/>
+              <a:t>2021/1/10</a:t>
+            </a:r>
+            <a:endParaRPr lang="zh-CN" altLang="en-US" dirty="0"/>
+          </a:p>
+        </p:txBody>
+      </p:sp>
+      <p:sp>
+        <p:nvSpPr>
+          <p:cNvPr id="5" name="页脚占位符 4">
+            <a:extLst>
+              <a:ext uri="{FF2B5EF4-FFF2-40B4-BE49-F238E27FC236}">
+                <a16:creationId xmlns:a16="http://schemas.microsoft.com/office/drawing/2014/main" id="{A27195E0-84F0-4784-9D8C-BC0983A5BE7C}"/>
+              </a:ext>
+            </a:extLst>
+          </p:cNvPr>
+          <p:cNvSpPr>
+            <a:spLocks noGrp="1"/>
+          </p:cNvSpPr>
+          <p:nvPr>
+            <p:ph type="ftr" sz="quarter" idx="11"/>
+          </p:nvPr>
+        </p:nvSpPr>
+        <p:spPr/>
+        <p:txBody>
+          <a:bodyPr/>
+          <a:lstStyle/>
+          <a:p>
+            <a:endParaRPr lang="zh-CN" altLang="en-US"/>
+          </a:p>
+        </p:txBody>
+      </p:sp>
+    </p:spTree>
+    <p:extLst>
+      <p:ext uri="{BB962C8B-B14F-4D97-AF65-F5344CB8AC3E}">
+        <p14:creationId xmlns:p14="http://schemas.microsoft.com/office/powerpoint/2010/main" val="4278438127"/>
       </p:ext>
     </p:extLst>
   </p:cSld>
@@ -9505,7 +11088,7 @@
             </a:r>
             <a:r>
               <a:rPr lang="en-US" altLang="zh-CN" sz="2400" dirty="0"/>
-              <a:t>168 16.6%</a:t>
+              <a:t>168 16%</a:t>
             </a:r>
           </a:p>
           <a:p>
@@ -9526,7 +11109,10 @@
               </a:rPr>
               <a:t>0.6092</a:t>
             </a:r>
-            <a:endParaRPr lang="en-US" altLang="zh-CN" sz="2400" dirty="0"/>
+            <a:r>
+              <a:rPr lang="en-US" altLang="zh-CN" sz="2400" dirty="0"/>
+              <a:t>6.</a:t>
+            </a:r>
           </a:p>
           <a:p>
             <a:r>

--- a/documents/workshop_summary.pptx
+++ b/documents/workshop_summary.pptx
@@ -5,7 +5,7 @@
     <p:sldMasterId id="2147483648" r:id="rId1"/>
   </p:sldMasterIdLst>
   <p:notesMasterIdLst>
-    <p:notesMasterId r:id="rId30"/>
+    <p:notesMasterId r:id="rId35"/>
   </p:notesMasterIdLst>
   <p:sldIdLst>
     <p:sldId id="256" r:id="rId2"/>
@@ -36,6 +36,11 @@
     <p:sldId id="282" r:id="rId27"/>
     <p:sldId id="283" r:id="rId28"/>
     <p:sldId id="286" r:id="rId29"/>
+    <p:sldId id="287" r:id="rId30"/>
+    <p:sldId id="288" r:id="rId31"/>
+    <p:sldId id="289" r:id="rId32"/>
+    <p:sldId id="290" r:id="rId33"/>
+    <p:sldId id="291" r:id="rId34"/>
   </p:sldIdLst>
   <p:sldSz cx="12192000" cy="6858000"/>
   <p:notesSz cx="6858000" cy="9144000"/>
@@ -224,7 +229,7 @@
           <a:p>
             <a:fld id="{7E45A342-5B8C-47A5-A361-1075BECA0050}" type="datetimeFigureOut">
               <a:rPr lang="zh-CN" altLang="en-US" smtClean="0"/>
-              <a:t>2021/1/13</a:t>
+              <a:t>2021/3/8</a:t>
             </a:fld>
             <a:endParaRPr lang="zh-CN" altLang="en-US"/>
           </a:p>
@@ -9335,6 +9340,169 @@
 </p:sld>
 </file>
 
+<file path=ppt/slides/slide29.xml><?xml version="1.0" encoding="utf-8"?>
+<p:sld xmlns:a="http://schemas.openxmlformats.org/drawingml/2006/main" xmlns:r="http://schemas.openxmlformats.org/officeDocument/2006/relationships" xmlns:p="http://schemas.openxmlformats.org/presentationml/2006/main">
+  <p:cSld>
+    <p:spTree>
+      <p:nvGrpSpPr>
+        <p:cNvPr id="1" name=""/>
+        <p:cNvGrpSpPr/>
+        <p:nvPr/>
+      </p:nvGrpSpPr>
+      <p:grpSpPr>
+        <a:xfrm>
+          <a:off x="0" y="0"/>
+          <a:ext cx="0" cy="0"/>
+          <a:chOff x="0" y="0"/>
+          <a:chExt cx="0" cy="0"/>
+        </a:xfrm>
+      </p:grpSpPr>
+      <p:sp>
+        <p:nvSpPr>
+          <p:cNvPr id="2" name="标题 1">
+            <a:extLst>
+              <a:ext uri="{FF2B5EF4-FFF2-40B4-BE49-F238E27FC236}">
+                <a16:creationId xmlns:a16="http://schemas.microsoft.com/office/drawing/2014/main" id="{00AF798E-B78D-455E-B762-5AD8DE1A7080}"/>
+              </a:ext>
+            </a:extLst>
+          </p:cNvPr>
+          <p:cNvSpPr>
+            <a:spLocks noGrp="1"/>
+          </p:cNvSpPr>
+          <p:nvPr>
+            <p:ph type="title"/>
+          </p:nvPr>
+        </p:nvSpPr>
+        <p:spPr/>
+        <p:txBody>
+          <a:bodyPr/>
+          <a:lstStyle/>
+          <a:p>
+            <a:r>
+              <a:rPr lang="zh-CN" altLang="en-US" dirty="0"/>
+              <a:t>新学期第一次讨论会</a:t>
+            </a:r>
+          </a:p>
+        </p:txBody>
+      </p:sp>
+      <p:sp>
+        <p:nvSpPr>
+          <p:cNvPr id="3" name="内容占位符 2">
+            <a:extLst>
+              <a:ext uri="{FF2B5EF4-FFF2-40B4-BE49-F238E27FC236}">
+                <a16:creationId xmlns:a16="http://schemas.microsoft.com/office/drawing/2014/main" id="{34AFA0F5-5343-4B81-9894-804E95F71102}"/>
+              </a:ext>
+            </a:extLst>
+          </p:cNvPr>
+          <p:cNvSpPr>
+            <a:spLocks noGrp="1"/>
+          </p:cNvSpPr>
+          <p:nvPr>
+            <p:ph idx="1"/>
+          </p:nvPr>
+        </p:nvSpPr>
+        <p:spPr/>
+        <p:txBody>
+          <a:bodyPr/>
+          <a:lstStyle/>
+          <a:p>
+            <a:r>
+              <a:rPr lang="zh-CN" altLang="en-US" dirty="0"/>
+              <a:t>总结</a:t>
+            </a:r>
+            <a:endParaRPr lang="en-US" altLang="zh-CN" dirty="0"/>
+          </a:p>
+          <a:p>
+            <a:r>
+              <a:rPr lang="zh-CN" altLang="en-US" dirty="0"/>
+              <a:t>使用</a:t>
+            </a:r>
+            <a:r>
+              <a:rPr lang="en-US" altLang="zh-CN" dirty="0" err="1"/>
+              <a:t>projcio</a:t>
+            </a:r>
+            <a:r>
+              <a:rPr lang="zh-CN" altLang="en-US" dirty="0"/>
+              <a:t>与未带通滤波</a:t>
+            </a:r>
+            <a:r>
+              <a:rPr lang="en-US" altLang="zh-CN" dirty="0" err="1"/>
+              <a:t>cio</a:t>
+            </a:r>
+            <a:r>
+              <a:rPr lang="zh-CN" altLang="en-US" dirty="0"/>
+              <a:t>，效果差距不大，之后阶段更改即可。</a:t>
+            </a:r>
+          </a:p>
+        </p:txBody>
+      </p:sp>
+      <p:sp>
+        <p:nvSpPr>
+          <p:cNvPr id="4" name="日期占位符 3">
+            <a:extLst>
+              <a:ext uri="{FF2B5EF4-FFF2-40B4-BE49-F238E27FC236}">
+                <a16:creationId xmlns:a16="http://schemas.microsoft.com/office/drawing/2014/main" id="{3DF9EDF1-9F6D-4CF3-8417-55F073FCFEFE}"/>
+              </a:ext>
+            </a:extLst>
+          </p:cNvPr>
+          <p:cNvSpPr>
+            <a:spLocks noGrp="1"/>
+          </p:cNvSpPr>
+          <p:nvPr>
+            <p:ph type="dt" sz="half" idx="10"/>
+          </p:nvPr>
+        </p:nvSpPr>
+        <p:spPr/>
+        <p:txBody>
+          <a:bodyPr/>
+          <a:lstStyle/>
+          <a:p>
+            <a:r>
+              <a:rPr lang="en-US" altLang="zh-CN"/>
+              <a:t>2020/11/27</a:t>
+            </a:r>
+            <a:endParaRPr lang="zh-CN" altLang="en-US"/>
+          </a:p>
+        </p:txBody>
+      </p:sp>
+      <p:sp>
+        <p:nvSpPr>
+          <p:cNvPr id="5" name="页脚占位符 4">
+            <a:extLst>
+              <a:ext uri="{FF2B5EF4-FFF2-40B4-BE49-F238E27FC236}">
+                <a16:creationId xmlns:a16="http://schemas.microsoft.com/office/drawing/2014/main" id="{6FBC06FF-F7ED-4691-A6F4-A175C999FB05}"/>
+              </a:ext>
+            </a:extLst>
+          </p:cNvPr>
+          <p:cNvSpPr>
+            <a:spLocks noGrp="1"/>
+          </p:cNvSpPr>
+          <p:nvPr>
+            <p:ph type="ftr" sz="quarter" idx="11"/>
+          </p:nvPr>
+        </p:nvSpPr>
+        <p:spPr/>
+        <p:txBody>
+          <a:bodyPr/>
+          <a:lstStyle/>
+          <a:p>
+            <a:endParaRPr lang="zh-CN" altLang="en-US"/>
+          </a:p>
+        </p:txBody>
+      </p:sp>
+    </p:spTree>
+    <p:extLst>
+      <p:ext uri="{BB962C8B-B14F-4D97-AF65-F5344CB8AC3E}">
+        <p14:creationId xmlns:p14="http://schemas.microsoft.com/office/powerpoint/2010/main" val="3904759777"/>
+      </p:ext>
+    </p:extLst>
+  </p:cSld>
+  <p:clrMapOvr>
+    <a:masterClrMapping/>
+  </p:clrMapOvr>
+</p:sld>
+</file>
+
 <file path=ppt/slides/slide3.xml><?xml version="1.0" encoding="utf-8"?>
 <p:sld xmlns:a="http://schemas.openxmlformats.org/drawingml/2006/main" xmlns:r="http://schemas.openxmlformats.org/officeDocument/2006/relationships" xmlns:p="http://schemas.openxmlformats.org/presentationml/2006/main">
   <p:cSld>
@@ -9518,6 +9686,619 @@
     <p:extLst>
       <p:ext uri="{BB962C8B-B14F-4D97-AF65-F5344CB8AC3E}">
         <p14:creationId xmlns:p14="http://schemas.microsoft.com/office/powerpoint/2010/main" val="3846249196"/>
+      </p:ext>
+    </p:extLst>
+  </p:cSld>
+  <p:clrMapOvr>
+    <a:masterClrMapping/>
+  </p:clrMapOvr>
+</p:sld>
+</file>
+
+<file path=ppt/slides/slide30.xml><?xml version="1.0" encoding="utf-8"?>
+<p:sld xmlns:a="http://schemas.openxmlformats.org/drawingml/2006/main" xmlns:r="http://schemas.openxmlformats.org/officeDocument/2006/relationships" xmlns:p="http://schemas.openxmlformats.org/presentationml/2006/main">
+  <p:cSld>
+    <p:spTree>
+      <p:nvGrpSpPr>
+        <p:cNvPr id="1" name=""/>
+        <p:cNvGrpSpPr/>
+        <p:nvPr/>
+      </p:nvGrpSpPr>
+      <p:grpSpPr>
+        <a:xfrm>
+          <a:off x="0" y="0"/>
+          <a:ext cx="0" cy="0"/>
+          <a:chOff x="0" y="0"/>
+          <a:chExt cx="0" cy="0"/>
+        </a:xfrm>
+      </p:grpSpPr>
+      <p:sp>
+        <p:nvSpPr>
+          <p:cNvPr id="2" name="标题 1">
+            <a:extLst>
+              <a:ext uri="{FF2B5EF4-FFF2-40B4-BE49-F238E27FC236}">
+                <a16:creationId xmlns:a16="http://schemas.microsoft.com/office/drawing/2014/main" id="{E27DF75B-F175-4415-8E67-80FD8C0AD67D}"/>
+              </a:ext>
+            </a:extLst>
+          </p:cNvPr>
+          <p:cNvSpPr>
+            <a:spLocks noGrp="1"/>
+          </p:cNvSpPr>
+          <p:nvPr>
+            <p:ph type="title"/>
+          </p:nvPr>
+        </p:nvSpPr>
+        <p:spPr/>
+        <p:txBody>
+          <a:bodyPr/>
+          <a:lstStyle/>
+          <a:p>
+            <a:r>
+              <a:rPr lang="zh-CN" altLang="en-US" dirty="0"/>
+              <a:t>第二次讨论会</a:t>
+            </a:r>
+          </a:p>
+        </p:txBody>
+      </p:sp>
+      <p:sp>
+        <p:nvSpPr>
+          <p:cNvPr id="3" name="内容占位符 2">
+            <a:extLst>
+              <a:ext uri="{FF2B5EF4-FFF2-40B4-BE49-F238E27FC236}">
+                <a16:creationId xmlns:a16="http://schemas.microsoft.com/office/drawing/2014/main" id="{4BAB3768-F985-4F4B-B108-B131F2CE9A82}"/>
+              </a:ext>
+            </a:extLst>
+          </p:cNvPr>
+          <p:cNvSpPr>
+            <a:spLocks noGrp="1"/>
+          </p:cNvSpPr>
+          <p:nvPr>
+            <p:ph idx="1"/>
+          </p:nvPr>
+        </p:nvSpPr>
+        <p:spPr/>
+        <p:txBody>
+          <a:bodyPr/>
+          <a:lstStyle/>
+          <a:p>
+            <a:r>
+              <a:rPr lang="zh-CN" altLang="en-US" dirty="0"/>
+              <a:t>使用降水量，预测降水量，得出的结果。</a:t>
+            </a:r>
+          </a:p>
+        </p:txBody>
+      </p:sp>
+      <p:sp>
+        <p:nvSpPr>
+          <p:cNvPr id="4" name="日期占位符 3">
+            <a:extLst>
+              <a:ext uri="{FF2B5EF4-FFF2-40B4-BE49-F238E27FC236}">
+                <a16:creationId xmlns:a16="http://schemas.microsoft.com/office/drawing/2014/main" id="{8AB2A76F-9156-49E1-942E-3AA49432936D}"/>
+              </a:ext>
+            </a:extLst>
+          </p:cNvPr>
+          <p:cNvSpPr>
+            <a:spLocks noGrp="1"/>
+          </p:cNvSpPr>
+          <p:nvPr>
+            <p:ph type="dt" sz="half" idx="10"/>
+          </p:nvPr>
+        </p:nvSpPr>
+        <p:spPr/>
+        <p:txBody>
+          <a:bodyPr/>
+          <a:lstStyle/>
+          <a:p>
+            <a:r>
+              <a:rPr lang="en-US" altLang="zh-CN"/>
+              <a:t>2020/11/27</a:t>
+            </a:r>
+            <a:endParaRPr lang="zh-CN" altLang="en-US"/>
+          </a:p>
+        </p:txBody>
+      </p:sp>
+      <p:sp>
+        <p:nvSpPr>
+          <p:cNvPr id="5" name="页脚占位符 4">
+            <a:extLst>
+              <a:ext uri="{FF2B5EF4-FFF2-40B4-BE49-F238E27FC236}">
+                <a16:creationId xmlns:a16="http://schemas.microsoft.com/office/drawing/2014/main" id="{492873B0-8A05-4E3A-A774-A0102952264E}"/>
+              </a:ext>
+            </a:extLst>
+          </p:cNvPr>
+          <p:cNvSpPr>
+            <a:spLocks noGrp="1"/>
+          </p:cNvSpPr>
+          <p:nvPr>
+            <p:ph type="ftr" sz="quarter" idx="11"/>
+          </p:nvPr>
+        </p:nvSpPr>
+        <p:spPr/>
+        <p:txBody>
+          <a:bodyPr/>
+          <a:lstStyle/>
+          <a:p>
+            <a:endParaRPr lang="zh-CN" altLang="en-US"/>
+          </a:p>
+        </p:txBody>
+      </p:sp>
+      <p:pic>
+        <p:nvPicPr>
+          <p:cNvPr id="7" name="图片 6">
+            <a:extLst>
+              <a:ext uri="{FF2B5EF4-FFF2-40B4-BE49-F238E27FC236}">
+                <a16:creationId xmlns:a16="http://schemas.microsoft.com/office/drawing/2014/main" id="{839682B7-BF70-4623-8671-0692CDCABC45}"/>
+              </a:ext>
+            </a:extLst>
+          </p:cNvPr>
+          <p:cNvPicPr>
+            <a:picLocks noChangeAspect="1"/>
+          </p:cNvPicPr>
+          <p:nvPr/>
+        </p:nvPicPr>
+        <p:blipFill rotWithShape="1">
+          <a:blip r:embed="rId2">
+            <a:extLst>
+              <a:ext uri="{28A0092B-C50C-407E-A947-70E740481C1C}">
+                <a14:useLocalDpi xmlns:a14="http://schemas.microsoft.com/office/drawing/2010/main" val="0"/>
+              </a:ext>
+            </a:extLst>
+          </a:blip>
+          <a:srcRect t="24005" b="16842"/>
+          <a:stretch/>
+        </p:blipFill>
+        <p:spPr>
+          <a:xfrm>
+            <a:off x="2667000" y="2299620"/>
+            <a:ext cx="6858000" cy="4056730"/>
+          </a:xfrm>
+          <a:prstGeom prst="rect">
+            <a:avLst/>
+          </a:prstGeom>
+        </p:spPr>
+      </p:pic>
+    </p:spTree>
+    <p:extLst>
+      <p:ext uri="{BB962C8B-B14F-4D97-AF65-F5344CB8AC3E}">
+        <p14:creationId xmlns:p14="http://schemas.microsoft.com/office/powerpoint/2010/main" val="1415607161"/>
+      </p:ext>
+    </p:extLst>
+  </p:cSld>
+  <p:clrMapOvr>
+    <a:masterClrMapping/>
+  </p:clrMapOvr>
+</p:sld>
+</file>
+
+<file path=ppt/slides/slide31.xml><?xml version="1.0" encoding="utf-8"?>
+<p:sld xmlns:a="http://schemas.openxmlformats.org/drawingml/2006/main" xmlns:r="http://schemas.openxmlformats.org/officeDocument/2006/relationships" xmlns:p="http://schemas.openxmlformats.org/presentationml/2006/main">
+  <p:cSld>
+    <p:spTree>
+      <p:nvGrpSpPr>
+        <p:cNvPr id="1" name=""/>
+        <p:cNvGrpSpPr/>
+        <p:nvPr/>
+      </p:nvGrpSpPr>
+      <p:grpSpPr>
+        <a:xfrm>
+          <a:off x="0" y="0"/>
+          <a:ext cx="0" cy="0"/>
+          <a:chOff x="0" y="0"/>
+          <a:chExt cx="0" cy="0"/>
+        </a:xfrm>
+      </p:grpSpPr>
+      <p:sp>
+        <p:nvSpPr>
+          <p:cNvPr id="2" name="标题 1">
+            <a:extLst>
+              <a:ext uri="{FF2B5EF4-FFF2-40B4-BE49-F238E27FC236}">
+                <a16:creationId xmlns:a16="http://schemas.microsoft.com/office/drawing/2014/main" id="{7ADC2550-CFB5-41DF-ABF6-86EFFDC7B5C0}"/>
+              </a:ext>
+            </a:extLst>
+          </p:cNvPr>
+          <p:cNvSpPr>
+            <a:spLocks noGrp="1"/>
+          </p:cNvSpPr>
+          <p:nvPr>
+            <p:ph type="title"/>
+          </p:nvPr>
+        </p:nvSpPr>
+        <p:spPr/>
+        <p:txBody>
+          <a:bodyPr/>
+          <a:lstStyle/>
+          <a:p>
+            <a:r>
+              <a:rPr lang="zh-CN" altLang="en-US" dirty="0"/>
+              <a:t>第二次讨论会</a:t>
+            </a:r>
+          </a:p>
+        </p:txBody>
+      </p:sp>
+      <p:pic>
+        <p:nvPicPr>
+          <p:cNvPr id="7" name="内容占位符 6">
+            <a:extLst>
+              <a:ext uri="{FF2B5EF4-FFF2-40B4-BE49-F238E27FC236}">
+                <a16:creationId xmlns:a16="http://schemas.microsoft.com/office/drawing/2014/main" id="{4C78DC61-E756-4097-8403-54D8757F86B4}"/>
+              </a:ext>
+            </a:extLst>
+          </p:cNvPr>
+          <p:cNvPicPr>
+            <a:picLocks noGrp="1" noChangeAspect="1"/>
+          </p:cNvPicPr>
+          <p:nvPr>
+            <p:ph idx="1"/>
+          </p:nvPr>
+        </p:nvPicPr>
+        <p:blipFill rotWithShape="1">
+          <a:blip r:embed="rId2">
+            <a:extLst>
+              <a:ext uri="{28A0092B-C50C-407E-A947-70E740481C1C}">
+                <a14:useLocalDpi xmlns:a14="http://schemas.microsoft.com/office/drawing/2010/main" val="0"/>
+              </a:ext>
+            </a:extLst>
+          </a:blip>
+          <a:srcRect t="26064" b="15870"/>
+          <a:stretch/>
+        </p:blipFill>
+        <p:spPr>
+          <a:xfrm>
+            <a:off x="3115197" y="2024756"/>
+            <a:ext cx="5961606" cy="3461644"/>
+          </a:xfrm>
+        </p:spPr>
+      </p:pic>
+      <p:sp>
+        <p:nvSpPr>
+          <p:cNvPr id="4" name="日期占位符 3">
+            <a:extLst>
+              <a:ext uri="{FF2B5EF4-FFF2-40B4-BE49-F238E27FC236}">
+                <a16:creationId xmlns:a16="http://schemas.microsoft.com/office/drawing/2014/main" id="{158E4929-A409-4557-BD58-628F15800F42}"/>
+              </a:ext>
+            </a:extLst>
+          </p:cNvPr>
+          <p:cNvSpPr>
+            <a:spLocks noGrp="1"/>
+          </p:cNvSpPr>
+          <p:nvPr>
+            <p:ph type="dt" sz="half" idx="10"/>
+          </p:nvPr>
+        </p:nvSpPr>
+        <p:spPr/>
+        <p:txBody>
+          <a:bodyPr/>
+          <a:lstStyle/>
+          <a:p>
+            <a:r>
+              <a:rPr lang="en-US" altLang="zh-CN"/>
+              <a:t>2020/11/27</a:t>
+            </a:r>
+            <a:endParaRPr lang="zh-CN" altLang="en-US"/>
+          </a:p>
+        </p:txBody>
+      </p:sp>
+      <p:sp>
+        <p:nvSpPr>
+          <p:cNvPr id="5" name="页脚占位符 4">
+            <a:extLst>
+              <a:ext uri="{FF2B5EF4-FFF2-40B4-BE49-F238E27FC236}">
+                <a16:creationId xmlns:a16="http://schemas.microsoft.com/office/drawing/2014/main" id="{B0F8BFBF-5CE1-41B2-BB34-BF7C47C91E2A}"/>
+              </a:ext>
+            </a:extLst>
+          </p:cNvPr>
+          <p:cNvSpPr>
+            <a:spLocks noGrp="1"/>
+          </p:cNvSpPr>
+          <p:nvPr>
+            <p:ph type="ftr" sz="quarter" idx="11"/>
+          </p:nvPr>
+        </p:nvSpPr>
+        <p:spPr/>
+        <p:txBody>
+          <a:bodyPr/>
+          <a:lstStyle/>
+          <a:p>
+            <a:endParaRPr lang="zh-CN" altLang="en-US"/>
+          </a:p>
+        </p:txBody>
+      </p:sp>
+    </p:spTree>
+    <p:extLst>
+      <p:ext uri="{BB962C8B-B14F-4D97-AF65-F5344CB8AC3E}">
+        <p14:creationId xmlns:p14="http://schemas.microsoft.com/office/powerpoint/2010/main" val="1730863562"/>
+      </p:ext>
+    </p:extLst>
+  </p:cSld>
+  <p:clrMapOvr>
+    <a:masterClrMapping/>
+  </p:clrMapOvr>
+</p:sld>
+</file>
+
+<file path=ppt/slides/slide32.xml><?xml version="1.0" encoding="utf-8"?>
+<p:sld xmlns:a="http://schemas.openxmlformats.org/drawingml/2006/main" xmlns:r="http://schemas.openxmlformats.org/officeDocument/2006/relationships" xmlns:p="http://schemas.openxmlformats.org/presentationml/2006/main">
+  <p:cSld>
+    <p:spTree>
+      <p:nvGrpSpPr>
+        <p:cNvPr id="1" name=""/>
+        <p:cNvGrpSpPr/>
+        <p:nvPr/>
+      </p:nvGrpSpPr>
+      <p:grpSpPr>
+        <a:xfrm>
+          <a:off x="0" y="0"/>
+          <a:ext cx="0" cy="0"/>
+          <a:chOff x="0" y="0"/>
+          <a:chExt cx="0" cy="0"/>
+        </a:xfrm>
+      </p:grpSpPr>
+      <p:sp>
+        <p:nvSpPr>
+          <p:cNvPr id="2" name="标题 1">
+            <a:extLst>
+              <a:ext uri="{FF2B5EF4-FFF2-40B4-BE49-F238E27FC236}">
+                <a16:creationId xmlns:a16="http://schemas.microsoft.com/office/drawing/2014/main" id="{AFF7667F-2868-47AA-86B1-E3CE233802C6}"/>
+              </a:ext>
+            </a:extLst>
+          </p:cNvPr>
+          <p:cNvSpPr>
+            <a:spLocks noGrp="1"/>
+          </p:cNvSpPr>
+          <p:nvPr>
+            <p:ph type="title"/>
+          </p:nvPr>
+        </p:nvSpPr>
+        <p:spPr/>
+        <p:txBody>
+          <a:bodyPr/>
+          <a:lstStyle/>
+          <a:p>
+            <a:r>
+              <a:rPr lang="zh-CN" altLang="en-US" dirty="0"/>
+              <a:t>第二次讨论会</a:t>
+            </a:r>
+          </a:p>
+        </p:txBody>
+      </p:sp>
+      <p:pic>
+        <p:nvPicPr>
+          <p:cNvPr id="7" name="内容占位符 6">
+            <a:extLst>
+              <a:ext uri="{FF2B5EF4-FFF2-40B4-BE49-F238E27FC236}">
+                <a16:creationId xmlns:a16="http://schemas.microsoft.com/office/drawing/2014/main" id="{F27F58FF-BE7F-413F-92A1-40C27660C301}"/>
+              </a:ext>
+            </a:extLst>
+          </p:cNvPr>
+          <p:cNvPicPr>
+            <a:picLocks noGrp="1" noChangeAspect="1"/>
+          </p:cNvPicPr>
+          <p:nvPr>
+            <p:ph idx="1"/>
+          </p:nvPr>
+        </p:nvPicPr>
+        <p:blipFill rotWithShape="1">
+          <a:blip r:embed="rId2">
+            <a:extLst>
+              <a:ext uri="{28A0092B-C50C-407E-A947-70E740481C1C}">
+                <a14:useLocalDpi xmlns:a14="http://schemas.microsoft.com/office/drawing/2010/main" val="0"/>
+              </a:ext>
+            </a:extLst>
+          </a:blip>
+          <a:srcRect t="22746" b="15317"/>
+          <a:stretch/>
+        </p:blipFill>
+        <p:spPr>
+          <a:xfrm>
+            <a:off x="2922692" y="1660126"/>
+            <a:ext cx="6346616" cy="3930883"/>
+          </a:xfrm>
+        </p:spPr>
+      </p:pic>
+      <p:sp>
+        <p:nvSpPr>
+          <p:cNvPr id="4" name="日期占位符 3">
+            <a:extLst>
+              <a:ext uri="{FF2B5EF4-FFF2-40B4-BE49-F238E27FC236}">
+                <a16:creationId xmlns:a16="http://schemas.microsoft.com/office/drawing/2014/main" id="{1400A349-DF66-4ABE-B9CB-076B833CAB9C}"/>
+              </a:ext>
+            </a:extLst>
+          </p:cNvPr>
+          <p:cNvSpPr>
+            <a:spLocks noGrp="1"/>
+          </p:cNvSpPr>
+          <p:nvPr>
+            <p:ph type="dt" sz="half" idx="10"/>
+          </p:nvPr>
+        </p:nvSpPr>
+        <p:spPr/>
+        <p:txBody>
+          <a:bodyPr/>
+          <a:lstStyle/>
+          <a:p>
+            <a:r>
+              <a:rPr lang="en-US" altLang="zh-CN"/>
+              <a:t>2020/11/27</a:t>
+            </a:r>
+            <a:endParaRPr lang="zh-CN" altLang="en-US"/>
+          </a:p>
+        </p:txBody>
+      </p:sp>
+      <p:sp>
+        <p:nvSpPr>
+          <p:cNvPr id="5" name="页脚占位符 4">
+            <a:extLst>
+              <a:ext uri="{FF2B5EF4-FFF2-40B4-BE49-F238E27FC236}">
+                <a16:creationId xmlns:a16="http://schemas.microsoft.com/office/drawing/2014/main" id="{CE245AB2-DE28-42DB-854D-6D0409B3440A}"/>
+              </a:ext>
+            </a:extLst>
+          </p:cNvPr>
+          <p:cNvSpPr>
+            <a:spLocks noGrp="1"/>
+          </p:cNvSpPr>
+          <p:nvPr>
+            <p:ph type="ftr" sz="quarter" idx="11"/>
+          </p:nvPr>
+        </p:nvSpPr>
+        <p:spPr/>
+        <p:txBody>
+          <a:bodyPr/>
+          <a:lstStyle/>
+          <a:p>
+            <a:endParaRPr lang="zh-CN" altLang="en-US"/>
+          </a:p>
+        </p:txBody>
+      </p:sp>
+    </p:spTree>
+    <p:extLst>
+      <p:ext uri="{BB962C8B-B14F-4D97-AF65-F5344CB8AC3E}">
+        <p14:creationId xmlns:p14="http://schemas.microsoft.com/office/powerpoint/2010/main" val="1347913235"/>
+      </p:ext>
+    </p:extLst>
+  </p:cSld>
+  <p:clrMapOvr>
+    <a:masterClrMapping/>
+  </p:clrMapOvr>
+</p:sld>
+</file>
+
+<file path=ppt/slides/slide33.xml><?xml version="1.0" encoding="utf-8"?>
+<p:sld xmlns:a="http://schemas.openxmlformats.org/drawingml/2006/main" xmlns:r="http://schemas.openxmlformats.org/officeDocument/2006/relationships" xmlns:p="http://schemas.openxmlformats.org/presentationml/2006/main">
+  <p:cSld>
+    <p:spTree>
+      <p:nvGrpSpPr>
+        <p:cNvPr id="1" name=""/>
+        <p:cNvGrpSpPr/>
+        <p:nvPr/>
+      </p:nvGrpSpPr>
+      <p:grpSpPr>
+        <a:xfrm>
+          <a:off x="0" y="0"/>
+          <a:ext cx="0" cy="0"/>
+          <a:chOff x="0" y="0"/>
+          <a:chExt cx="0" cy="0"/>
+        </a:xfrm>
+      </p:grpSpPr>
+      <p:sp>
+        <p:nvSpPr>
+          <p:cNvPr id="2" name="标题 1">
+            <a:extLst>
+              <a:ext uri="{FF2B5EF4-FFF2-40B4-BE49-F238E27FC236}">
+                <a16:creationId xmlns:a16="http://schemas.microsoft.com/office/drawing/2014/main" id="{D0B103AA-01E4-4571-819E-0252398E0CAA}"/>
+              </a:ext>
+            </a:extLst>
+          </p:cNvPr>
+          <p:cNvSpPr>
+            <a:spLocks noGrp="1"/>
+          </p:cNvSpPr>
+          <p:nvPr>
+            <p:ph type="title"/>
+          </p:nvPr>
+        </p:nvSpPr>
+        <p:spPr/>
+        <p:txBody>
+          <a:bodyPr/>
+          <a:lstStyle/>
+          <a:p>
+            <a:r>
+              <a:rPr lang="zh-CN" altLang="en-US" dirty="0"/>
+              <a:t>第二次讨论会</a:t>
+            </a:r>
+          </a:p>
+        </p:txBody>
+      </p:sp>
+      <p:pic>
+        <p:nvPicPr>
+          <p:cNvPr id="7" name="内容占位符 6">
+            <a:extLst>
+              <a:ext uri="{FF2B5EF4-FFF2-40B4-BE49-F238E27FC236}">
+                <a16:creationId xmlns:a16="http://schemas.microsoft.com/office/drawing/2014/main" id="{1BC78699-755E-45F6-ADED-41D5F780B982}"/>
+              </a:ext>
+            </a:extLst>
+          </p:cNvPr>
+          <p:cNvPicPr>
+            <a:picLocks noGrp="1" noChangeAspect="1"/>
+          </p:cNvPicPr>
+          <p:nvPr>
+            <p:ph idx="1"/>
+          </p:nvPr>
+        </p:nvPicPr>
+        <p:blipFill rotWithShape="1">
+          <a:blip r:embed="rId2">
+            <a:extLst>
+              <a:ext uri="{28A0092B-C50C-407E-A947-70E740481C1C}">
+                <a14:useLocalDpi xmlns:a14="http://schemas.microsoft.com/office/drawing/2010/main" val="0"/>
+              </a:ext>
+            </a:extLst>
+          </a:blip>
+          <a:srcRect t="26617" b="15317"/>
+          <a:stretch/>
+        </p:blipFill>
+        <p:spPr>
+          <a:xfrm>
+            <a:off x="2766281" y="2090097"/>
+            <a:ext cx="6659437" cy="3866844"/>
+          </a:xfrm>
+        </p:spPr>
+      </p:pic>
+      <p:sp>
+        <p:nvSpPr>
+          <p:cNvPr id="4" name="日期占位符 3">
+            <a:extLst>
+              <a:ext uri="{FF2B5EF4-FFF2-40B4-BE49-F238E27FC236}">
+                <a16:creationId xmlns:a16="http://schemas.microsoft.com/office/drawing/2014/main" id="{AACA7B7D-F010-4641-BC0D-5950F5A61102}"/>
+              </a:ext>
+            </a:extLst>
+          </p:cNvPr>
+          <p:cNvSpPr>
+            <a:spLocks noGrp="1"/>
+          </p:cNvSpPr>
+          <p:nvPr>
+            <p:ph type="dt" sz="half" idx="10"/>
+          </p:nvPr>
+        </p:nvSpPr>
+        <p:spPr/>
+        <p:txBody>
+          <a:bodyPr/>
+          <a:lstStyle/>
+          <a:p>
+            <a:r>
+              <a:rPr lang="en-US" altLang="zh-CN"/>
+              <a:t>2020/11/27</a:t>
+            </a:r>
+            <a:endParaRPr lang="zh-CN" altLang="en-US"/>
+          </a:p>
+        </p:txBody>
+      </p:sp>
+      <p:sp>
+        <p:nvSpPr>
+          <p:cNvPr id="5" name="页脚占位符 4">
+            <a:extLst>
+              <a:ext uri="{FF2B5EF4-FFF2-40B4-BE49-F238E27FC236}">
+                <a16:creationId xmlns:a16="http://schemas.microsoft.com/office/drawing/2014/main" id="{108030BC-39CC-4057-AAA9-538856255750}"/>
+              </a:ext>
+            </a:extLst>
+          </p:cNvPr>
+          <p:cNvSpPr>
+            <a:spLocks noGrp="1"/>
+          </p:cNvSpPr>
+          <p:nvPr>
+            <p:ph type="ftr" sz="quarter" idx="11"/>
+          </p:nvPr>
+        </p:nvSpPr>
+        <p:spPr/>
+        <p:txBody>
+          <a:bodyPr/>
+          <a:lstStyle/>
+          <a:p>
+            <a:endParaRPr lang="zh-CN" altLang="en-US"/>
+          </a:p>
+        </p:txBody>
+      </p:sp>
+    </p:spTree>
+    <p:extLst>
+      <p:ext uri="{BB962C8B-B14F-4D97-AF65-F5344CB8AC3E}">
+        <p14:creationId xmlns:p14="http://schemas.microsoft.com/office/powerpoint/2010/main" val="3595625311"/>
       </p:ext>
     </p:extLst>
   </p:cSld>
